--- a/Slides/Lesson 2.5 Program Review.pptx
+++ b/Slides/Lesson 2.5 Program Review.pptx
@@ -230,7 +230,7 @@
           <a:p>
             <a:fld id="{03B24962-D7B5-4FEA-ABE9-8C89DFE85AA1}" type="datetimeFigureOut">
               <a:rPr lang="en-US" smtClean="0"/>
-              <a:t>8/5/2015</a:t>
+              <a:t>7/26/2017</a:t>
             </a:fld>
             <a:endParaRPr lang="en-US"/>
           </a:p>
@@ -294,38 +294,37 @@
           <a:p>
             <a:pPr lvl="0"/>
             <a:r>
-              <a:rPr lang="en-US" smtClean="0"/>
+              <a:rPr lang="en-US"/>
               <a:t>Click to edit Master text styles</a:t>
             </a:r>
           </a:p>
           <a:p>
             <a:pPr lvl="1"/>
             <a:r>
-              <a:rPr lang="en-US" smtClean="0"/>
+              <a:rPr lang="en-US"/>
               <a:t>Second level</a:t>
             </a:r>
           </a:p>
           <a:p>
             <a:pPr lvl="2"/>
             <a:r>
-              <a:rPr lang="en-US" smtClean="0"/>
+              <a:rPr lang="en-US"/>
               <a:t>Third level</a:t>
             </a:r>
           </a:p>
           <a:p>
             <a:pPr lvl="3"/>
             <a:r>
-              <a:rPr lang="en-US" smtClean="0"/>
+              <a:rPr lang="en-US"/>
               <a:t>Fourth level</a:t>
             </a:r>
           </a:p>
           <a:p>
             <a:pPr lvl="4"/>
             <a:r>
-              <a:rPr lang="en-US" smtClean="0"/>
+              <a:rPr lang="en-US"/>
               <a:t>Fifth level</a:t>
             </a:r>
-            <a:endParaRPr lang="en-US"/>
           </a:p>
         </p:txBody>
       </p:sp>
@@ -790,10 +789,9 @@
           <a:lstStyle/>
           <a:p>
             <a:r>
-              <a:rPr lang="en-US" smtClean="0"/>
+              <a:rPr lang="en-US"/>
               <a:t>Click to edit Master title style</a:t>
             </a:r>
-            <a:endParaRPr lang="en-US"/>
           </a:p>
         </p:txBody>
       </p:sp>
@@ -909,10 +907,9 @@
           </a:lstStyle>
           <a:p>
             <a:r>
-              <a:rPr lang="en-US" smtClean="0"/>
+              <a:rPr lang="en-US"/>
               <a:t>Click to edit Master subtitle style</a:t>
             </a:r>
-            <a:endParaRPr lang="en-US"/>
           </a:p>
         </p:txBody>
       </p:sp>
@@ -933,7 +930,7 @@
           <a:p>
             <a:fld id="{E08D5CC9-58C0-440F-A029-91C1D8B66E5C}" type="datetime1">
               <a:rPr lang="en-US" smtClean="0"/>
-              <a:t>8/5/2015</a:t>
+              <a:t>7/26/2017</a:t>
             </a:fld>
             <a:endParaRPr lang="en-US"/>
           </a:p>
@@ -991,13 +988,6 @@
   <p:clrMapOvr>
     <a:masterClrMapping/>
   </p:clrMapOvr>
-  <p:timing>
-    <p:tnLst>
-      <p:par>
-        <p:cTn id="1" dur="indefinite" restart="never" nodeType="tmRoot"/>
-      </p:par>
-    </p:tnLst>
-  </p:timing>
 </p:sldLayout>
 </file>
 
@@ -1043,10 +1033,9 @@
           </a:lstStyle>
           <a:p>
             <a:r>
-              <a:rPr lang="en-US" smtClean="0"/>
+              <a:rPr lang="en-US"/>
               <a:t>Click to edit Master title style</a:t>
             </a:r>
-            <a:endParaRPr lang="en-US"/>
           </a:p>
         </p:txBody>
       </p:sp>
@@ -1108,10 +1097,9 @@
           </a:lstStyle>
           <a:p>
             <a:r>
-              <a:rPr lang="en-US" smtClean="0"/>
+              <a:rPr lang="en-US"/>
               <a:t>Click icon to add picture</a:t>
             </a:r>
-            <a:endParaRPr lang="en-US"/>
           </a:p>
         </p:txBody>
       </p:sp>
@@ -1174,7 +1162,7 @@
           <a:p>
             <a:pPr lvl="0"/>
             <a:r>
-              <a:rPr lang="en-US" smtClean="0"/>
+              <a:rPr lang="en-US"/>
               <a:t>Click to edit Master text styles</a:t>
             </a:r>
           </a:p>
@@ -1197,7 +1185,7 @@
           <a:p>
             <a:fld id="{FCEDA0D8-9896-4735-B81D-CAEC7944F4FF}" type="datetime1">
               <a:rPr lang="en-US" smtClean="0"/>
-              <a:t>8/5/2015</a:t>
+              <a:t>7/26/2017</a:t>
             </a:fld>
             <a:endParaRPr lang="en-US"/>
           </a:p>
@@ -1291,10 +1279,9 @@
           <a:lstStyle/>
           <a:p>
             <a:r>
-              <a:rPr lang="en-US" smtClean="0"/>
+              <a:rPr lang="en-US"/>
               <a:t>Click to edit Master title style</a:t>
             </a:r>
-            <a:endParaRPr lang="en-US"/>
           </a:p>
         </p:txBody>
       </p:sp>
@@ -1315,38 +1302,37 @@
           <a:p>
             <a:pPr lvl="0"/>
             <a:r>
-              <a:rPr lang="en-US" smtClean="0"/>
+              <a:rPr lang="en-US"/>
               <a:t>Click to edit Master text styles</a:t>
             </a:r>
           </a:p>
           <a:p>
             <a:pPr lvl="1"/>
             <a:r>
-              <a:rPr lang="en-US" smtClean="0"/>
+              <a:rPr lang="en-US"/>
               <a:t>Second level</a:t>
             </a:r>
           </a:p>
           <a:p>
             <a:pPr lvl="2"/>
             <a:r>
-              <a:rPr lang="en-US" smtClean="0"/>
+              <a:rPr lang="en-US"/>
               <a:t>Third level</a:t>
             </a:r>
           </a:p>
           <a:p>
             <a:pPr lvl="3"/>
             <a:r>
-              <a:rPr lang="en-US" smtClean="0"/>
+              <a:rPr lang="en-US"/>
               <a:t>Fourth level</a:t>
             </a:r>
           </a:p>
           <a:p>
             <a:pPr lvl="4"/>
             <a:r>
-              <a:rPr lang="en-US" smtClean="0"/>
+              <a:rPr lang="en-US"/>
               <a:t>Fifth level</a:t>
             </a:r>
-            <a:endParaRPr lang="en-US"/>
           </a:p>
         </p:txBody>
       </p:sp>
@@ -1367,7 +1353,7 @@
           <a:p>
             <a:fld id="{BDC684FA-F91C-49C8-B6EB-82DC322FBDB6}" type="datetime1">
               <a:rPr lang="en-US" smtClean="0"/>
-              <a:t>8/5/2015</a:t>
+              <a:t>7/26/2017</a:t>
             </a:fld>
             <a:endParaRPr lang="en-US"/>
           </a:p>
@@ -1466,10 +1452,9 @@
           <a:lstStyle/>
           <a:p>
             <a:r>
-              <a:rPr lang="en-US" smtClean="0"/>
+              <a:rPr lang="en-US"/>
               <a:t>Click to edit Master title style</a:t>
             </a:r>
-            <a:endParaRPr lang="en-US"/>
           </a:p>
         </p:txBody>
       </p:sp>
@@ -1495,38 +1480,37 @@
           <a:p>
             <a:pPr lvl="0"/>
             <a:r>
-              <a:rPr lang="en-US" smtClean="0"/>
+              <a:rPr lang="en-US"/>
               <a:t>Click to edit Master text styles</a:t>
             </a:r>
           </a:p>
           <a:p>
             <a:pPr lvl="1"/>
             <a:r>
-              <a:rPr lang="en-US" smtClean="0"/>
+              <a:rPr lang="en-US"/>
               <a:t>Second level</a:t>
             </a:r>
           </a:p>
           <a:p>
             <a:pPr lvl="2"/>
             <a:r>
-              <a:rPr lang="en-US" smtClean="0"/>
+              <a:rPr lang="en-US"/>
               <a:t>Third level</a:t>
             </a:r>
           </a:p>
           <a:p>
             <a:pPr lvl="3"/>
             <a:r>
-              <a:rPr lang="en-US" smtClean="0"/>
+              <a:rPr lang="en-US"/>
               <a:t>Fourth level</a:t>
             </a:r>
           </a:p>
           <a:p>
             <a:pPr lvl="4"/>
             <a:r>
-              <a:rPr lang="en-US" smtClean="0"/>
+              <a:rPr lang="en-US"/>
               <a:t>Fifth level</a:t>
             </a:r>
-            <a:endParaRPr lang="en-US"/>
           </a:p>
         </p:txBody>
       </p:sp>
@@ -1547,7 +1531,7 @@
           <a:p>
             <a:fld id="{FFF62818-B7D9-443A-807C-E084A659F410}" type="datetime1">
               <a:rPr lang="en-US" smtClean="0"/>
-              <a:t>8/5/2015</a:t>
+              <a:t>7/26/2017</a:t>
             </a:fld>
             <a:endParaRPr lang="en-US"/>
           </a:p>
@@ -1646,10 +1630,9 @@
           <a:lstStyle/>
           <a:p>
             <a:r>
-              <a:rPr lang="en-US" smtClean="0"/>
+              <a:rPr lang="en-US"/>
               <a:t>Click to edit Master title style</a:t>
             </a:r>
-            <a:endParaRPr lang="en-US"/>
           </a:p>
         </p:txBody>
       </p:sp>
@@ -1765,10 +1748,9 @@
           </a:lstStyle>
           <a:p>
             <a:r>
-              <a:rPr lang="en-US" smtClean="0"/>
+              <a:rPr lang="en-US"/>
               <a:t>Click to edit Master subtitle style</a:t>
             </a:r>
-            <a:endParaRPr lang="en-US"/>
           </a:p>
         </p:txBody>
       </p:sp>
@@ -1796,7 +1778,7 @@
                 </a:solidFill>
               </a:rPr>
               <a:pPr/>
-              <a:t>8/5/2015</a:t>
+              <a:t>7/26/2017</a:t>
             </a:fld>
             <a:endParaRPr lang="en-US">
               <a:solidFill>
@@ -1879,13 +1861,6 @@
   <p:clrMapOvr>
     <a:masterClrMapping/>
   </p:clrMapOvr>
-  <p:timing>
-    <p:tnLst>
-      <p:par>
-        <p:cTn id="1" dur="indefinite" restart="never" nodeType="tmRoot"/>
-      </p:par>
-    </p:tnLst>
-  </p:timing>
 </p:sldLayout>
 </file>
 
@@ -1928,10 +1903,9 @@
           <a:lstStyle/>
           <a:p>
             <a:r>
-              <a:rPr lang="en-US" dirty="0" smtClean="0"/>
+              <a:rPr lang="en-US" dirty="0"/>
               <a:t>Click to edit Master title style</a:t>
             </a:r>
-            <a:endParaRPr lang="en-US" dirty="0"/>
           </a:p>
         </p:txBody>
       </p:sp>
@@ -1952,38 +1926,37 @@
           <a:p>
             <a:pPr lvl="0"/>
             <a:r>
-              <a:rPr lang="en-US" smtClean="0"/>
+              <a:rPr lang="en-US"/>
               <a:t>Click to edit Master text styles</a:t>
             </a:r>
           </a:p>
           <a:p>
             <a:pPr lvl="1"/>
             <a:r>
-              <a:rPr lang="en-US" smtClean="0"/>
+              <a:rPr lang="en-US"/>
               <a:t>Second level</a:t>
             </a:r>
           </a:p>
           <a:p>
             <a:pPr lvl="2"/>
             <a:r>
-              <a:rPr lang="en-US" smtClean="0"/>
+              <a:rPr lang="en-US"/>
               <a:t>Third level</a:t>
             </a:r>
           </a:p>
           <a:p>
             <a:pPr lvl="3"/>
             <a:r>
-              <a:rPr lang="en-US" smtClean="0"/>
+              <a:rPr lang="en-US"/>
               <a:t>Fourth level</a:t>
             </a:r>
           </a:p>
           <a:p>
             <a:pPr lvl="4"/>
             <a:r>
-              <a:rPr lang="en-US" smtClean="0"/>
+              <a:rPr lang="en-US"/>
               <a:t>Fifth level</a:t>
             </a:r>
-            <a:endParaRPr lang="en-US"/>
           </a:p>
         </p:txBody>
       </p:sp>
@@ -2011,7 +1984,7 @@
                 </a:solidFill>
               </a:rPr>
               <a:pPr/>
-              <a:t>8/5/2015</a:t>
+              <a:t>7/26/2017</a:t>
             </a:fld>
             <a:endParaRPr lang="en-US">
               <a:solidFill>
@@ -2094,13 +2067,6 @@
   <p:clrMapOvr>
     <a:masterClrMapping/>
   </p:clrMapOvr>
-  <p:timing>
-    <p:tnLst>
-      <p:par>
-        <p:cTn id="1" dur="indefinite" restart="never" nodeType="tmRoot"/>
-      </p:par>
-    </p:tnLst>
-  </p:timing>
 </p:sldLayout>
 </file>
 
@@ -2137,10 +2103,9 @@
           <a:lstStyle/>
           <a:p>
             <a:r>
-              <a:rPr lang="en-US" smtClean="0"/>
+              <a:rPr lang="en-US"/>
               <a:t>Click to edit Master title style</a:t>
             </a:r>
-            <a:endParaRPr lang="en-US"/>
           </a:p>
         </p:txBody>
       </p:sp>
@@ -2166,38 +2131,37 @@
           <a:p>
             <a:pPr lvl="0"/>
             <a:r>
-              <a:rPr lang="en-US" dirty="0" smtClean="0"/>
+              <a:rPr lang="en-US" dirty="0"/>
               <a:t>Click to edit Master text styles</a:t>
             </a:r>
           </a:p>
           <a:p>
             <a:pPr lvl="1"/>
             <a:r>
-              <a:rPr lang="en-US" dirty="0" smtClean="0"/>
+              <a:rPr lang="en-US" dirty="0"/>
               <a:t>Second level</a:t>
             </a:r>
           </a:p>
           <a:p>
             <a:pPr lvl="2"/>
             <a:r>
-              <a:rPr lang="en-US" dirty="0" smtClean="0"/>
+              <a:rPr lang="en-US" dirty="0"/>
               <a:t>Third level</a:t>
             </a:r>
           </a:p>
           <a:p>
             <a:pPr lvl="3"/>
             <a:r>
-              <a:rPr lang="en-US" dirty="0" smtClean="0"/>
+              <a:rPr lang="en-US" dirty="0"/>
               <a:t>Fourth level</a:t>
             </a:r>
           </a:p>
           <a:p>
             <a:pPr lvl="4"/>
             <a:r>
-              <a:rPr lang="en-US" dirty="0" smtClean="0"/>
+              <a:rPr lang="en-US" dirty="0"/>
               <a:t>Fifth level</a:t>
             </a:r>
-            <a:endParaRPr lang="en-US" dirty="0"/>
           </a:p>
         </p:txBody>
       </p:sp>
@@ -2225,7 +2189,7 @@
                 </a:solidFill>
               </a:rPr>
               <a:pPr/>
-              <a:t>8/5/2015</a:t>
+              <a:t>7/26/2017</a:t>
             </a:fld>
             <a:endParaRPr lang="en-US">
               <a:solidFill>
@@ -2340,7 +2304,7 @@
           <a:lstStyle/>
           <a:p>
             <a:pPr algn="ctr"/>
-            <a:endParaRPr lang="en-US" dirty="0" smtClean="0">
+            <a:endParaRPr lang="en-US" dirty="0">
               <a:solidFill>
                 <a:prstClr val="black"/>
               </a:solidFill>
@@ -2371,18 +2335,13 @@
           <a:lstStyle/>
           <a:p>
             <a:r>
-              <a:rPr lang="en-US" dirty="0" smtClean="0">
+              <a:rPr lang="en-US" dirty="0">
                 <a:solidFill>
                   <a:prstClr val="black"/>
                 </a:solidFill>
               </a:rPr>
               <a:t>Resize video to this box.</a:t>
             </a:r>
-            <a:endParaRPr lang="en-US" dirty="0">
-              <a:solidFill>
-                <a:prstClr val="black"/>
-              </a:solidFill>
-            </a:endParaRPr>
           </a:p>
         </p:txBody>
       </p:sp>
@@ -2396,13 +2355,6 @@
   <p:clrMapOvr>
     <a:masterClrMapping/>
   </p:clrMapOvr>
-  <p:timing>
-    <p:tnLst>
-      <p:par>
-        <p:cTn id="1" dur="indefinite" restart="never" nodeType="tmRoot"/>
-      </p:par>
-    </p:tnLst>
-  </p:timing>
 </p:sldLayout>
 </file>
 
@@ -2439,10 +2391,9 @@
           <a:lstStyle/>
           <a:p>
             <a:r>
-              <a:rPr lang="en-US" smtClean="0"/>
+              <a:rPr lang="en-US"/>
               <a:t>Click to edit Master title style</a:t>
             </a:r>
-            <a:endParaRPr lang="en-US"/>
           </a:p>
         </p:txBody>
       </p:sp>
@@ -2471,38 +2422,37 @@
           <a:p>
             <a:pPr lvl="0"/>
             <a:r>
-              <a:rPr lang="en-US" dirty="0" smtClean="0"/>
+              <a:rPr lang="en-US" dirty="0"/>
               <a:t>Click to edit Master text styles</a:t>
             </a:r>
           </a:p>
           <a:p>
             <a:pPr lvl="1"/>
             <a:r>
-              <a:rPr lang="en-US" dirty="0" smtClean="0"/>
+              <a:rPr lang="en-US" dirty="0"/>
               <a:t>Second level</a:t>
             </a:r>
           </a:p>
           <a:p>
             <a:pPr lvl="2"/>
             <a:r>
-              <a:rPr lang="en-US" dirty="0" smtClean="0"/>
+              <a:rPr lang="en-US" dirty="0"/>
               <a:t>Third level</a:t>
             </a:r>
           </a:p>
           <a:p>
             <a:pPr lvl="3"/>
             <a:r>
-              <a:rPr lang="en-US" dirty="0" smtClean="0"/>
+              <a:rPr lang="en-US" dirty="0"/>
               <a:t>Fourth level</a:t>
             </a:r>
           </a:p>
           <a:p>
             <a:pPr lvl="4"/>
             <a:r>
-              <a:rPr lang="en-US" dirty="0" smtClean="0"/>
+              <a:rPr lang="en-US" dirty="0"/>
               <a:t>Fifth level</a:t>
             </a:r>
-            <a:endParaRPr lang="en-US" dirty="0"/>
           </a:p>
         </p:txBody>
       </p:sp>
@@ -2530,7 +2480,7 @@
                 </a:solidFill>
               </a:rPr>
               <a:pPr/>
-              <a:t>8/5/2015</a:t>
+              <a:t>7/26/2017</a:t>
             </a:fld>
             <a:endParaRPr lang="en-US">
               <a:solidFill>
@@ -2613,13 +2563,6 @@
   <p:clrMapOvr>
     <a:masterClrMapping/>
   </p:clrMapOvr>
-  <p:timing>
-    <p:tnLst>
-      <p:par>
-        <p:cTn id="1" dur="indefinite" restart="never" nodeType="tmRoot"/>
-      </p:par>
-    </p:tnLst>
-  </p:timing>
 </p:sldLayout>
 </file>
 
@@ -2656,10 +2599,9 @@
           <a:lstStyle/>
           <a:p>
             <a:r>
-              <a:rPr lang="en-US" smtClean="0"/>
+              <a:rPr lang="en-US"/>
               <a:t>Click to edit Master title style</a:t>
             </a:r>
-            <a:endParaRPr lang="en-US"/>
           </a:p>
         </p:txBody>
       </p:sp>
@@ -2688,38 +2630,37 @@
           <a:p>
             <a:pPr lvl="0"/>
             <a:r>
-              <a:rPr lang="en-US" dirty="0" smtClean="0"/>
+              <a:rPr lang="en-US" dirty="0"/>
               <a:t>Click to edit Master text styles</a:t>
             </a:r>
           </a:p>
           <a:p>
             <a:pPr lvl="1"/>
             <a:r>
-              <a:rPr lang="en-US" dirty="0" smtClean="0"/>
+              <a:rPr lang="en-US" dirty="0"/>
               <a:t>Second level</a:t>
             </a:r>
           </a:p>
           <a:p>
             <a:pPr lvl="2"/>
             <a:r>
-              <a:rPr lang="en-US" dirty="0" smtClean="0"/>
+              <a:rPr lang="en-US" dirty="0"/>
               <a:t>Third level</a:t>
             </a:r>
           </a:p>
           <a:p>
             <a:pPr lvl="3"/>
             <a:r>
-              <a:rPr lang="en-US" dirty="0" smtClean="0"/>
+              <a:rPr lang="en-US" dirty="0"/>
               <a:t>Fourth level</a:t>
             </a:r>
           </a:p>
           <a:p>
             <a:pPr lvl="4"/>
             <a:r>
-              <a:rPr lang="en-US" dirty="0" smtClean="0"/>
+              <a:rPr lang="en-US" dirty="0"/>
               <a:t>Fifth level</a:t>
             </a:r>
-            <a:endParaRPr lang="en-US" dirty="0"/>
           </a:p>
         </p:txBody>
       </p:sp>
@@ -2747,7 +2688,7 @@
                 </a:solidFill>
               </a:rPr>
               <a:pPr/>
-              <a:t>8/5/2015</a:t>
+              <a:t>7/26/2017</a:t>
             </a:fld>
             <a:endParaRPr lang="en-US">
               <a:solidFill>
@@ -2879,13 +2820,6 @@
   <p:clrMapOvr>
     <a:masterClrMapping/>
   </p:clrMapOvr>
-  <p:timing>
-    <p:tnLst>
-      <p:par>
-        <p:cTn id="1" dur="indefinite" restart="never" nodeType="tmRoot"/>
-      </p:par>
-    </p:tnLst>
-  </p:timing>
 </p:sldLayout>
 </file>
 
@@ -2931,10 +2865,9 @@
           </a:lstStyle>
           <a:p>
             <a:r>
-              <a:rPr lang="en-US" smtClean="0"/>
+              <a:rPr lang="en-US"/>
               <a:t>Click to edit Master title style</a:t>
             </a:r>
-            <a:endParaRPr lang="en-US"/>
           </a:p>
         </p:txBody>
       </p:sp>
@@ -3051,7 +2984,7 @@
           <a:p>
             <a:pPr lvl="0"/>
             <a:r>
-              <a:rPr lang="en-US" smtClean="0"/>
+              <a:rPr lang="en-US"/>
               <a:t>Click to edit Master text styles</a:t>
             </a:r>
           </a:p>
@@ -3081,7 +3014,7 @@
                 </a:solidFill>
               </a:rPr>
               <a:pPr/>
-              <a:t>8/5/2015</a:t>
+              <a:t>7/26/2017</a:t>
             </a:fld>
             <a:endParaRPr lang="en-US">
               <a:solidFill>
@@ -3200,10 +3133,9 @@
           <a:lstStyle/>
           <a:p>
             <a:r>
-              <a:rPr lang="en-US" smtClean="0"/>
+              <a:rPr lang="en-US"/>
               <a:t>Click to edit Master title style</a:t>
             </a:r>
-            <a:endParaRPr lang="en-US"/>
           </a:p>
         </p:txBody>
       </p:sp>
@@ -3257,38 +3189,37 @@
           <a:p>
             <a:pPr lvl="0"/>
             <a:r>
-              <a:rPr lang="en-US" smtClean="0"/>
+              <a:rPr lang="en-US"/>
               <a:t>Click to edit Master text styles</a:t>
             </a:r>
           </a:p>
           <a:p>
             <a:pPr lvl="1"/>
             <a:r>
-              <a:rPr lang="en-US" smtClean="0"/>
+              <a:rPr lang="en-US"/>
               <a:t>Second level</a:t>
             </a:r>
           </a:p>
           <a:p>
             <a:pPr lvl="2"/>
             <a:r>
-              <a:rPr lang="en-US" smtClean="0"/>
+              <a:rPr lang="en-US"/>
               <a:t>Third level</a:t>
             </a:r>
           </a:p>
           <a:p>
             <a:pPr lvl="3"/>
             <a:r>
-              <a:rPr lang="en-US" smtClean="0"/>
+              <a:rPr lang="en-US"/>
               <a:t>Fourth level</a:t>
             </a:r>
           </a:p>
           <a:p>
             <a:pPr lvl="4"/>
             <a:r>
-              <a:rPr lang="en-US" smtClean="0"/>
+              <a:rPr lang="en-US"/>
               <a:t>Fifth level</a:t>
             </a:r>
-            <a:endParaRPr lang="en-US"/>
           </a:p>
         </p:txBody>
       </p:sp>
@@ -3342,38 +3273,37 @@
           <a:p>
             <a:pPr lvl="0"/>
             <a:r>
-              <a:rPr lang="en-US" smtClean="0"/>
+              <a:rPr lang="en-US"/>
               <a:t>Click to edit Master text styles</a:t>
             </a:r>
           </a:p>
           <a:p>
             <a:pPr lvl="1"/>
             <a:r>
-              <a:rPr lang="en-US" smtClean="0"/>
+              <a:rPr lang="en-US"/>
               <a:t>Second level</a:t>
             </a:r>
           </a:p>
           <a:p>
             <a:pPr lvl="2"/>
             <a:r>
-              <a:rPr lang="en-US" smtClean="0"/>
+              <a:rPr lang="en-US"/>
               <a:t>Third level</a:t>
             </a:r>
           </a:p>
           <a:p>
             <a:pPr lvl="3"/>
             <a:r>
-              <a:rPr lang="en-US" smtClean="0"/>
+              <a:rPr lang="en-US"/>
               <a:t>Fourth level</a:t>
             </a:r>
           </a:p>
           <a:p>
             <a:pPr lvl="4"/>
             <a:r>
-              <a:rPr lang="en-US" smtClean="0"/>
+              <a:rPr lang="en-US"/>
               <a:t>Fifth level</a:t>
             </a:r>
-            <a:endParaRPr lang="en-US"/>
           </a:p>
         </p:txBody>
       </p:sp>
@@ -3401,7 +3331,7 @@
                 </a:solidFill>
               </a:rPr>
               <a:pPr/>
-              <a:t>8/5/2015</a:t>
+              <a:t>7/26/2017</a:t>
             </a:fld>
             <a:endParaRPr lang="en-US">
               <a:solidFill>
@@ -3520,10 +3450,9 @@
           <a:lstStyle/>
           <a:p>
             <a:r>
-              <a:rPr lang="en-US" smtClean="0"/>
+              <a:rPr lang="en-US"/>
               <a:t>Click to edit Master title style</a:t>
             </a:r>
-            <a:endParaRPr lang="en-US"/>
           </a:p>
         </p:txBody>
       </p:sp>
@@ -3544,38 +3473,37 @@
           <a:p>
             <a:pPr lvl="0"/>
             <a:r>
-              <a:rPr lang="en-US" smtClean="0"/>
+              <a:rPr lang="en-US"/>
               <a:t>Click to edit Master text styles</a:t>
             </a:r>
           </a:p>
           <a:p>
             <a:pPr lvl="1"/>
             <a:r>
-              <a:rPr lang="en-US" smtClean="0"/>
+              <a:rPr lang="en-US"/>
               <a:t>Second level</a:t>
             </a:r>
           </a:p>
           <a:p>
             <a:pPr lvl="2"/>
             <a:r>
-              <a:rPr lang="en-US" smtClean="0"/>
+              <a:rPr lang="en-US"/>
               <a:t>Third level</a:t>
             </a:r>
           </a:p>
           <a:p>
             <a:pPr lvl="3"/>
             <a:r>
-              <a:rPr lang="en-US" smtClean="0"/>
+              <a:rPr lang="en-US"/>
               <a:t>Fourth level</a:t>
             </a:r>
           </a:p>
           <a:p>
             <a:pPr lvl="4"/>
             <a:r>
-              <a:rPr lang="en-US" smtClean="0"/>
+              <a:rPr lang="en-US"/>
               <a:t>Fifth level</a:t>
             </a:r>
-            <a:endParaRPr lang="en-US"/>
           </a:p>
         </p:txBody>
       </p:sp>
@@ -3596,7 +3524,7 @@
           <a:p>
             <a:fld id="{880749FB-46CF-42DD-8BB5-B5A4AAE5764E}" type="datetime1">
               <a:rPr lang="en-US" smtClean="0"/>
-              <a:t>8/5/2015</a:t>
+              <a:t>7/26/2017</a:t>
             </a:fld>
             <a:endParaRPr lang="en-US"/>
           </a:p>
@@ -3654,13 +3582,6 @@
   <p:clrMapOvr>
     <a:masterClrMapping/>
   </p:clrMapOvr>
-  <p:timing>
-    <p:tnLst>
-      <p:par>
-        <p:cTn id="1" dur="indefinite" restart="never" nodeType="tmRoot"/>
-      </p:par>
-    </p:tnLst>
-  </p:timing>
 </p:sldLayout>
 </file>
 
@@ -3701,10 +3622,9 @@
           </a:lstStyle>
           <a:p>
             <a:r>
-              <a:rPr lang="en-US" smtClean="0"/>
+              <a:rPr lang="en-US"/>
               <a:t>Click to edit Master title style</a:t>
             </a:r>
-            <a:endParaRPr lang="en-US"/>
           </a:p>
         </p:txBody>
       </p:sp>
@@ -3767,7 +3687,7 @@
           <a:p>
             <a:pPr lvl="0"/>
             <a:r>
-              <a:rPr lang="en-US" smtClean="0"/>
+              <a:rPr lang="en-US"/>
               <a:t>Click to edit Master text styles</a:t>
             </a:r>
           </a:p>
@@ -3823,38 +3743,37 @@
           <a:p>
             <a:pPr lvl="0"/>
             <a:r>
-              <a:rPr lang="en-US" smtClean="0"/>
+              <a:rPr lang="en-US"/>
               <a:t>Click to edit Master text styles</a:t>
             </a:r>
           </a:p>
           <a:p>
             <a:pPr lvl="1"/>
             <a:r>
-              <a:rPr lang="en-US" smtClean="0"/>
+              <a:rPr lang="en-US"/>
               <a:t>Second level</a:t>
             </a:r>
           </a:p>
           <a:p>
             <a:pPr lvl="2"/>
             <a:r>
-              <a:rPr lang="en-US" smtClean="0"/>
+              <a:rPr lang="en-US"/>
               <a:t>Third level</a:t>
             </a:r>
           </a:p>
           <a:p>
             <a:pPr lvl="3"/>
             <a:r>
-              <a:rPr lang="en-US" smtClean="0"/>
+              <a:rPr lang="en-US"/>
               <a:t>Fourth level</a:t>
             </a:r>
           </a:p>
           <a:p>
             <a:pPr lvl="4"/>
             <a:r>
-              <a:rPr lang="en-US" smtClean="0"/>
+              <a:rPr lang="en-US"/>
               <a:t>Fifth level</a:t>
             </a:r>
-            <a:endParaRPr lang="en-US"/>
           </a:p>
         </p:txBody>
       </p:sp>
@@ -3917,7 +3836,7 @@
           <a:p>
             <a:pPr lvl="0"/>
             <a:r>
-              <a:rPr lang="en-US" smtClean="0"/>
+              <a:rPr lang="en-US"/>
               <a:t>Click to edit Master text styles</a:t>
             </a:r>
           </a:p>
@@ -3973,38 +3892,37 @@
           <a:p>
             <a:pPr lvl="0"/>
             <a:r>
-              <a:rPr lang="en-US" smtClean="0"/>
+              <a:rPr lang="en-US"/>
               <a:t>Click to edit Master text styles</a:t>
             </a:r>
           </a:p>
           <a:p>
             <a:pPr lvl="1"/>
             <a:r>
-              <a:rPr lang="en-US" smtClean="0"/>
+              <a:rPr lang="en-US"/>
               <a:t>Second level</a:t>
             </a:r>
           </a:p>
           <a:p>
             <a:pPr lvl="2"/>
             <a:r>
-              <a:rPr lang="en-US" smtClean="0"/>
+              <a:rPr lang="en-US"/>
               <a:t>Third level</a:t>
             </a:r>
           </a:p>
           <a:p>
             <a:pPr lvl="3"/>
             <a:r>
-              <a:rPr lang="en-US" smtClean="0"/>
+              <a:rPr lang="en-US"/>
               <a:t>Fourth level</a:t>
             </a:r>
           </a:p>
           <a:p>
             <a:pPr lvl="4"/>
             <a:r>
-              <a:rPr lang="en-US" smtClean="0"/>
+              <a:rPr lang="en-US"/>
               <a:t>Fifth level</a:t>
             </a:r>
-            <a:endParaRPr lang="en-US"/>
           </a:p>
         </p:txBody>
       </p:sp>
@@ -4032,7 +3950,7 @@
                 </a:solidFill>
               </a:rPr>
               <a:pPr/>
-              <a:t>8/5/2015</a:t>
+              <a:t>7/26/2017</a:t>
             </a:fld>
             <a:endParaRPr lang="en-US">
               <a:solidFill>
@@ -4151,10 +4069,9 @@
           <a:lstStyle/>
           <a:p>
             <a:r>
-              <a:rPr lang="en-US" smtClean="0"/>
+              <a:rPr lang="en-US"/>
               <a:t>Click to edit Master title style</a:t>
             </a:r>
-            <a:endParaRPr lang="en-US"/>
           </a:p>
         </p:txBody>
       </p:sp>
@@ -4182,7 +4099,7 @@
                 </a:solidFill>
               </a:rPr>
               <a:pPr/>
-              <a:t>8/5/2015</a:t>
+              <a:t>7/26/2017</a:t>
             </a:fld>
             <a:endParaRPr lang="en-US">
               <a:solidFill>
@@ -4265,13 +4182,6 @@
   <p:clrMapOvr>
     <a:masterClrMapping/>
   </p:clrMapOvr>
-  <p:timing>
-    <p:tnLst>
-      <p:par>
-        <p:cTn id="1" dur="indefinite" restart="never" nodeType="tmRoot"/>
-      </p:par>
-    </p:tnLst>
-  </p:timing>
 </p:sldLayout>
 </file>
 
@@ -4316,7 +4226,7 @@
                 </a:solidFill>
               </a:rPr>
               <a:pPr/>
-              <a:t>8/5/2015</a:t>
+              <a:t>7/26/2017</a:t>
             </a:fld>
             <a:endParaRPr lang="en-US">
               <a:solidFill>
@@ -4444,10 +4354,9 @@
           </a:lstStyle>
           <a:p>
             <a:r>
-              <a:rPr lang="en-US" smtClean="0"/>
+              <a:rPr lang="en-US"/>
               <a:t>Click to edit Master title style</a:t>
             </a:r>
-            <a:endParaRPr lang="en-US"/>
           </a:p>
         </p:txBody>
       </p:sp>
@@ -4501,38 +4410,37 @@
           <a:p>
             <a:pPr lvl="0"/>
             <a:r>
-              <a:rPr lang="en-US" smtClean="0"/>
+              <a:rPr lang="en-US"/>
               <a:t>Click to edit Master text styles</a:t>
             </a:r>
           </a:p>
           <a:p>
             <a:pPr lvl="1"/>
             <a:r>
-              <a:rPr lang="en-US" smtClean="0"/>
+              <a:rPr lang="en-US"/>
               <a:t>Second level</a:t>
             </a:r>
           </a:p>
           <a:p>
             <a:pPr lvl="2"/>
             <a:r>
-              <a:rPr lang="en-US" smtClean="0"/>
+              <a:rPr lang="en-US"/>
               <a:t>Third level</a:t>
             </a:r>
           </a:p>
           <a:p>
             <a:pPr lvl="3"/>
             <a:r>
-              <a:rPr lang="en-US" smtClean="0"/>
+              <a:rPr lang="en-US"/>
               <a:t>Fourth level</a:t>
             </a:r>
           </a:p>
           <a:p>
             <a:pPr lvl="4"/>
             <a:r>
-              <a:rPr lang="en-US" smtClean="0"/>
+              <a:rPr lang="en-US"/>
               <a:t>Fifth level</a:t>
             </a:r>
-            <a:endParaRPr lang="en-US"/>
           </a:p>
         </p:txBody>
       </p:sp>
@@ -4595,7 +4503,7 @@
           <a:p>
             <a:pPr lvl="0"/>
             <a:r>
-              <a:rPr lang="en-US" smtClean="0"/>
+              <a:rPr lang="en-US"/>
               <a:t>Click to edit Master text styles</a:t>
             </a:r>
           </a:p>
@@ -4625,7 +4533,7 @@
                 </a:solidFill>
               </a:rPr>
               <a:pPr/>
-              <a:t>8/5/2015</a:t>
+              <a:t>7/26/2017</a:t>
             </a:fld>
             <a:endParaRPr lang="en-US">
               <a:solidFill>
@@ -4753,10 +4661,9 @@
           </a:lstStyle>
           <a:p>
             <a:r>
-              <a:rPr lang="en-US" smtClean="0"/>
+              <a:rPr lang="en-US"/>
               <a:t>Click to edit Master title style</a:t>
             </a:r>
-            <a:endParaRPr lang="en-US"/>
           </a:p>
         </p:txBody>
       </p:sp>
@@ -4880,7 +4787,7 @@
           <a:p>
             <a:pPr lvl="0"/>
             <a:r>
-              <a:rPr lang="en-US" smtClean="0"/>
+              <a:rPr lang="en-US"/>
               <a:t>Click to edit Master text styles</a:t>
             </a:r>
           </a:p>
@@ -4910,7 +4817,7 @@
                 </a:solidFill>
               </a:rPr>
               <a:pPr/>
-              <a:t>8/5/2015</a:t>
+              <a:t>7/26/2017</a:t>
             </a:fld>
             <a:endParaRPr lang="en-US">
               <a:solidFill>
@@ -5029,10 +4936,9 @@
           <a:lstStyle/>
           <a:p>
             <a:r>
-              <a:rPr lang="en-US" smtClean="0"/>
+              <a:rPr lang="en-US"/>
               <a:t>Click to edit Master title style</a:t>
             </a:r>
-            <a:endParaRPr lang="en-US"/>
           </a:p>
         </p:txBody>
       </p:sp>
@@ -5053,38 +4959,37 @@
           <a:p>
             <a:pPr lvl="0"/>
             <a:r>
-              <a:rPr lang="en-US" smtClean="0"/>
+              <a:rPr lang="en-US"/>
               <a:t>Click to edit Master text styles</a:t>
             </a:r>
           </a:p>
           <a:p>
             <a:pPr lvl="1"/>
             <a:r>
-              <a:rPr lang="en-US" smtClean="0"/>
+              <a:rPr lang="en-US"/>
               <a:t>Second level</a:t>
             </a:r>
           </a:p>
           <a:p>
             <a:pPr lvl="2"/>
             <a:r>
-              <a:rPr lang="en-US" smtClean="0"/>
+              <a:rPr lang="en-US"/>
               <a:t>Third level</a:t>
             </a:r>
           </a:p>
           <a:p>
             <a:pPr lvl="3"/>
             <a:r>
-              <a:rPr lang="en-US" smtClean="0"/>
+              <a:rPr lang="en-US"/>
               <a:t>Fourth level</a:t>
             </a:r>
           </a:p>
           <a:p>
             <a:pPr lvl="4"/>
             <a:r>
-              <a:rPr lang="en-US" smtClean="0"/>
+              <a:rPr lang="en-US"/>
               <a:t>Fifth level</a:t>
             </a:r>
-            <a:endParaRPr lang="en-US"/>
           </a:p>
         </p:txBody>
       </p:sp>
@@ -5112,7 +5017,7 @@
                 </a:solidFill>
               </a:rPr>
               <a:pPr/>
-              <a:t>8/5/2015</a:t>
+              <a:t>7/26/2017</a:t>
             </a:fld>
             <a:endParaRPr lang="en-US">
               <a:solidFill>
@@ -5236,10 +5141,9 @@
           <a:lstStyle/>
           <a:p>
             <a:r>
-              <a:rPr lang="en-US" smtClean="0"/>
+              <a:rPr lang="en-US"/>
               <a:t>Click to edit Master title style</a:t>
             </a:r>
-            <a:endParaRPr lang="en-US"/>
           </a:p>
         </p:txBody>
       </p:sp>
@@ -5265,38 +5169,37 @@
           <a:p>
             <a:pPr lvl="0"/>
             <a:r>
-              <a:rPr lang="en-US" smtClean="0"/>
+              <a:rPr lang="en-US"/>
               <a:t>Click to edit Master text styles</a:t>
             </a:r>
           </a:p>
           <a:p>
             <a:pPr lvl="1"/>
             <a:r>
-              <a:rPr lang="en-US" smtClean="0"/>
+              <a:rPr lang="en-US"/>
               <a:t>Second level</a:t>
             </a:r>
           </a:p>
           <a:p>
             <a:pPr lvl="2"/>
             <a:r>
-              <a:rPr lang="en-US" smtClean="0"/>
+              <a:rPr lang="en-US"/>
               <a:t>Third level</a:t>
             </a:r>
           </a:p>
           <a:p>
             <a:pPr lvl="3"/>
             <a:r>
-              <a:rPr lang="en-US" smtClean="0"/>
+              <a:rPr lang="en-US"/>
               <a:t>Fourth level</a:t>
             </a:r>
           </a:p>
           <a:p>
             <a:pPr lvl="4"/>
             <a:r>
-              <a:rPr lang="en-US" smtClean="0"/>
+              <a:rPr lang="en-US"/>
               <a:t>Fifth level</a:t>
             </a:r>
-            <a:endParaRPr lang="en-US"/>
           </a:p>
         </p:txBody>
       </p:sp>
@@ -5324,7 +5227,7 @@
                 </a:solidFill>
               </a:rPr>
               <a:pPr/>
-              <a:t>8/5/2015</a:t>
+              <a:t>7/26/2017</a:t>
             </a:fld>
             <a:endParaRPr lang="en-US">
               <a:solidFill>
@@ -5448,10 +5351,9 @@
           <a:lstStyle/>
           <a:p>
             <a:r>
-              <a:rPr lang="en-US" smtClean="0"/>
+              <a:rPr lang="en-US"/>
               <a:t>Click to edit Master title style</a:t>
             </a:r>
-            <a:endParaRPr lang="en-US"/>
           </a:p>
         </p:txBody>
       </p:sp>
@@ -5567,10 +5469,9 @@
           </a:lstStyle>
           <a:p>
             <a:r>
-              <a:rPr lang="en-US" smtClean="0"/>
+              <a:rPr lang="en-US"/>
               <a:t>Click to edit Master subtitle style</a:t>
             </a:r>
-            <a:endParaRPr lang="en-US"/>
           </a:p>
         </p:txBody>
       </p:sp>
@@ -5591,7 +5492,7 @@
           <a:p>
             <a:fld id="{2F1F79F5-7BEC-496A-AFC7-876E38F64D71}" type="datetime1">
               <a:rPr lang="en-US" smtClean="0"/>
-              <a:t>8/5/2015</a:t>
+              <a:t>7/26/2017</a:t>
             </a:fld>
             <a:endParaRPr lang="en-US"/>
           </a:p>
@@ -5649,13 +5550,6 @@
   <p:clrMapOvr>
     <a:masterClrMapping/>
   </p:clrMapOvr>
-  <p:timing>
-    <p:tnLst>
-      <p:par>
-        <p:cTn id="1" dur="indefinite" restart="never" nodeType="tmRoot"/>
-      </p:par>
-    </p:tnLst>
-  </p:timing>
 </p:sldLayout>
 </file>
 
@@ -5698,10 +5592,9 @@
           <a:lstStyle/>
           <a:p>
             <a:r>
-              <a:rPr lang="en-US" dirty="0" smtClean="0"/>
+              <a:rPr lang="en-US" dirty="0"/>
               <a:t>Click to edit Master title style</a:t>
             </a:r>
-            <a:endParaRPr lang="en-US" dirty="0"/>
           </a:p>
         </p:txBody>
       </p:sp>
@@ -5722,38 +5615,37 @@
           <a:p>
             <a:pPr lvl="0"/>
             <a:r>
-              <a:rPr lang="en-US" smtClean="0"/>
+              <a:rPr lang="en-US"/>
               <a:t>Click to edit Master text styles</a:t>
             </a:r>
           </a:p>
           <a:p>
             <a:pPr lvl="1"/>
             <a:r>
-              <a:rPr lang="en-US" smtClean="0"/>
+              <a:rPr lang="en-US"/>
               <a:t>Second level</a:t>
             </a:r>
           </a:p>
           <a:p>
             <a:pPr lvl="2"/>
             <a:r>
-              <a:rPr lang="en-US" smtClean="0"/>
+              <a:rPr lang="en-US"/>
               <a:t>Third level</a:t>
             </a:r>
           </a:p>
           <a:p>
             <a:pPr lvl="3"/>
             <a:r>
-              <a:rPr lang="en-US" smtClean="0"/>
+              <a:rPr lang="en-US"/>
               <a:t>Fourth level</a:t>
             </a:r>
           </a:p>
           <a:p>
             <a:pPr lvl="4"/>
             <a:r>
-              <a:rPr lang="en-US" smtClean="0"/>
+              <a:rPr lang="en-US"/>
               <a:t>Fifth level</a:t>
             </a:r>
-            <a:endParaRPr lang="en-US"/>
           </a:p>
         </p:txBody>
       </p:sp>
@@ -5774,7 +5666,7 @@
           <a:p>
             <a:fld id="{E22ED4DA-448D-4BB1-B935-CC112220207B}" type="datetime1">
               <a:rPr lang="en-US" smtClean="0"/>
-              <a:t>8/5/2015</a:t>
+              <a:t>7/26/2017</a:t>
             </a:fld>
             <a:endParaRPr lang="en-US"/>
           </a:p>
@@ -5832,13 +5724,6 @@
   <p:clrMapOvr>
     <a:masterClrMapping/>
   </p:clrMapOvr>
-  <p:timing>
-    <p:tnLst>
-      <p:par>
-        <p:cTn id="1" dur="indefinite" restart="never" nodeType="tmRoot"/>
-      </p:par>
-    </p:tnLst>
-  </p:timing>
 </p:sldLayout>
 </file>
 
@@ -5875,10 +5760,9 @@
           <a:lstStyle/>
           <a:p>
             <a:r>
-              <a:rPr lang="en-US" smtClean="0"/>
+              <a:rPr lang="en-US"/>
               <a:t>Click to edit Master title style</a:t>
             </a:r>
-            <a:endParaRPr lang="en-US"/>
           </a:p>
         </p:txBody>
       </p:sp>
@@ -5904,38 +5788,37 @@
           <a:p>
             <a:pPr lvl="0"/>
             <a:r>
-              <a:rPr lang="en-US" dirty="0" smtClean="0"/>
+              <a:rPr lang="en-US" dirty="0"/>
               <a:t>Click to edit Master text styles</a:t>
             </a:r>
           </a:p>
           <a:p>
             <a:pPr lvl="1"/>
             <a:r>
-              <a:rPr lang="en-US" dirty="0" smtClean="0"/>
+              <a:rPr lang="en-US" dirty="0"/>
               <a:t>Second level</a:t>
             </a:r>
           </a:p>
           <a:p>
             <a:pPr lvl="2"/>
             <a:r>
-              <a:rPr lang="en-US" dirty="0" smtClean="0"/>
+              <a:rPr lang="en-US" dirty="0"/>
               <a:t>Third level</a:t>
             </a:r>
           </a:p>
           <a:p>
             <a:pPr lvl="3"/>
             <a:r>
-              <a:rPr lang="en-US" dirty="0" smtClean="0"/>
+              <a:rPr lang="en-US" dirty="0"/>
               <a:t>Fourth level</a:t>
             </a:r>
           </a:p>
           <a:p>
             <a:pPr lvl="4"/>
             <a:r>
-              <a:rPr lang="en-US" dirty="0" smtClean="0"/>
+              <a:rPr lang="en-US" dirty="0"/>
               <a:t>Fifth level</a:t>
             </a:r>
-            <a:endParaRPr lang="en-US" dirty="0"/>
           </a:p>
         </p:txBody>
       </p:sp>
@@ -5956,7 +5839,7 @@
           <a:p>
             <a:fld id="{E22ED4DA-448D-4BB1-B935-CC112220207B}" type="datetime1">
               <a:rPr lang="en-US" smtClean="0"/>
-              <a:t>8/5/2015</a:t>
+              <a:t>7/26/2017</a:t>
             </a:fld>
             <a:endParaRPr lang="en-US"/>
           </a:p>
@@ -6046,7 +5929,7 @@
           <a:lstStyle/>
           <a:p>
             <a:pPr algn="ctr"/>
-            <a:endParaRPr lang="en-US" dirty="0" smtClean="0">
+            <a:endParaRPr lang="en-US" dirty="0">
               <a:solidFill>
                 <a:schemeClr val="tx1"/>
               </a:solidFill>
@@ -6077,11 +5960,11 @@
           <a:lstStyle/>
           <a:p>
             <a:r>
-              <a:rPr lang="en-US" dirty="0" smtClean="0"/>
+              <a:rPr lang="en-US" dirty="0"/>
               <a:t>Resize video to this</a:t>
             </a:r>
             <a:r>
-              <a:rPr lang="en-US" baseline="0" dirty="0" smtClean="0"/>
+              <a:rPr lang="en-US" baseline="0" dirty="0"/>
               <a:t> box.</a:t>
             </a:r>
             <a:endParaRPr lang="en-US" dirty="0"/>
@@ -6098,13 +5981,6 @@
   <p:clrMapOvr>
     <a:masterClrMapping/>
   </p:clrMapOvr>
-  <p:timing>
-    <p:tnLst>
-      <p:par>
-        <p:cTn id="1" dur="indefinite" restart="never" nodeType="tmRoot"/>
-      </p:par>
-    </p:tnLst>
-  </p:timing>
 </p:sldLayout>
 </file>
 
@@ -6141,10 +6017,9 @@
           <a:lstStyle/>
           <a:p>
             <a:r>
-              <a:rPr lang="en-US" smtClean="0"/>
+              <a:rPr lang="en-US"/>
               <a:t>Click to edit Master title style</a:t>
             </a:r>
-            <a:endParaRPr lang="en-US"/>
           </a:p>
         </p:txBody>
       </p:sp>
@@ -6173,35 +6048,35 @@
           <a:p>
             <a:pPr lvl="0"/>
             <a:r>
-              <a:rPr lang="en-US" smtClean="0"/>
+              <a:rPr lang="en-US"/>
               <a:t>Click to edit Master text styles</a:t>
             </a:r>
           </a:p>
           <a:p>
             <a:pPr lvl="1"/>
             <a:r>
-              <a:rPr lang="en-US" smtClean="0"/>
+              <a:rPr lang="en-US"/>
               <a:t>Second level</a:t>
             </a:r>
           </a:p>
           <a:p>
             <a:pPr lvl="2"/>
             <a:r>
-              <a:rPr lang="en-US" smtClean="0"/>
+              <a:rPr lang="en-US"/>
               <a:t>Third level</a:t>
             </a:r>
           </a:p>
           <a:p>
             <a:pPr lvl="3"/>
             <a:r>
-              <a:rPr lang="en-US" smtClean="0"/>
+              <a:rPr lang="en-US"/>
               <a:t>Fourth level</a:t>
             </a:r>
           </a:p>
           <a:p>
             <a:pPr lvl="4"/>
             <a:r>
-              <a:rPr lang="en-US" smtClean="0"/>
+              <a:rPr lang="en-US"/>
               <a:t>Fifth level</a:t>
             </a:r>
             <a:endParaRPr lang="en-US" dirty="0"/>
@@ -6225,7 +6100,7 @@
           <a:p>
             <a:fld id="{739796AA-6F33-477E-A02D-A3C11A9E262B}" type="datetime1">
               <a:rPr lang="en-US" smtClean="0"/>
-              <a:t>8/5/2015</a:t>
+              <a:t>7/26/2017</a:t>
             </a:fld>
             <a:endParaRPr lang="en-US"/>
           </a:p>
@@ -6283,13 +6158,6 @@
   <p:clrMapOvr>
     <a:masterClrMapping/>
   </p:clrMapOvr>
-  <p:timing>
-    <p:tnLst>
-      <p:par>
-        <p:cTn id="1" dur="indefinite" restart="never" nodeType="tmRoot"/>
-      </p:par>
-    </p:tnLst>
-  </p:timing>
 </p:sldLayout>
 </file>
 
@@ -6326,10 +6194,9 @@
           <a:lstStyle/>
           <a:p>
             <a:r>
-              <a:rPr lang="en-US" smtClean="0"/>
+              <a:rPr lang="en-US"/>
               <a:t>Click to edit Master title style</a:t>
             </a:r>
-            <a:endParaRPr lang="en-US"/>
           </a:p>
         </p:txBody>
       </p:sp>
@@ -6358,38 +6225,37 @@
           <a:p>
             <a:pPr lvl="0"/>
             <a:r>
-              <a:rPr lang="en-US" dirty="0" smtClean="0"/>
+              <a:rPr lang="en-US" dirty="0"/>
               <a:t>Click to edit Master text styles</a:t>
             </a:r>
           </a:p>
           <a:p>
             <a:pPr lvl="1"/>
             <a:r>
-              <a:rPr lang="en-US" dirty="0" smtClean="0"/>
+              <a:rPr lang="en-US" dirty="0"/>
               <a:t>Second level</a:t>
             </a:r>
           </a:p>
           <a:p>
             <a:pPr lvl="2"/>
             <a:r>
-              <a:rPr lang="en-US" dirty="0" smtClean="0"/>
+              <a:rPr lang="en-US" dirty="0"/>
               <a:t>Third level</a:t>
             </a:r>
           </a:p>
           <a:p>
             <a:pPr lvl="3"/>
             <a:r>
-              <a:rPr lang="en-US" dirty="0" smtClean="0"/>
+              <a:rPr lang="en-US" dirty="0"/>
               <a:t>Fourth level</a:t>
             </a:r>
           </a:p>
           <a:p>
             <a:pPr lvl="4"/>
             <a:r>
-              <a:rPr lang="en-US" dirty="0" smtClean="0"/>
+              <a:rPr lang="en-US" dirty="0"/>
               <a:t>Fifth level</a:t>
             </a:r>
-            <a:endParaRPr lang="en-US" dirty="0"/>
           </a:p>
         </p:txBody>
       </p:sp>
@@ -6410,7 +6276,7 @@
           <a:p>
             <a:fld id="{FF5D65A6-AB94-4435-B0B7-3743215FA46C}" type="datetime1">
               <a:rPr lang="en-US" smtClean="0"/>
-              <a:t>8/5/2015</a:t>
+              <a:t>7/26/2017</a:t>
             </a:fld>
             <a:endParaRPr lang="en-US"/>
           </a:p>
@@ -6468,13 +6334,6 @@
   <p:clrMapOvr>
     <a:masterClrMapping/>
   </p:clrMapOvr>
-  <p:timing>
-    <p:tnLst>
-      <p:par>
-        <p:cTn id="1" dur="indefinite" restart="never" nodeType="tmRoot"/>
-      </p:par>
-    </p:tnLst>
-  </p:timing>
 </p:sldLayout>
 </file>
 
@@ -6511,10 +6370,9 @@
           <a:lstStyle/>
           <a:p>
             <a:r>
-              <a:rPr lang="en-US" smtClean="0"/>
+              <a:rPr lang="en-US"/>
               <a:t>Click to edit Master title style</a:t>
             </a:r>
-            <a:endParaRPr lang="en-US"/>
           </a:p>
         </p:txBody>
       </p:sp>
@@ -6543,38 +6401,37 @@
           <a:p>
             <a:pPr lvl="0"/>
             <a:r>
-              <a:rPr lang="en-US" dirty="0" smtClean="0"/>
+              <a:rPr lang="en-US" dirty="0"/>
               <a:t>Click to edit Master text styles</a:t>
             </a:r>
           </a:p>
           <a:p>
             <a:pPr lvl="1"/>
             <a:r>
-              <a:rPr lang="en-US" dirty="0" smtClean="0"/>
+              <a:rPr lang="en-US" dirty="0"/>
               <a:t>Second level</a:t>
             </a:r>
           </a:p>
           <a:p>
             <a:pPr lvl="2"/>
             <a:r>
-              <a:rPr lang="en-US" dirty="0" smtClean="0"/>
+              <a:rPr lang="en-US" dirty="0"/>
               <a:t>Third level</a:t>
             </a:r>
           </a:p>
           <a:p>
             <a:pPr lvl="3"/>
             <a:r>
-              <a:rPr lang="en-US" dirty="0" smtClean="0"/>
+              <a:rPr lang="en-US" dirty="0"/>
               <a:t>Fourth level</a:t>
             </a:r>
           </a:p>
           <a:p>
             <a:pPr lvl="4"/>
             <a:r>
-              <a:rPr lang="en-US" dirty="0" smtClean="0"/>
+              <a:rPr lang="en-US" dirty="0"/>
               <a:t>Fifth level</a:t>
             </a:r>
-            <a:endParaRPr lang="en-US" dirty="0"/>
           </a:p>
         </p:txBody>
       </p:sp>
@@ -6595,7 +6452,7 @@
           <a:p>
             <a:fld id="{FF5D65A6-AB94-4435-B0B7-3743215FA46C}" type="datetime1">
               <a:rPr lang="en-US" smtClean="0"/>
-              <a:t>8/5/2015</a:t>
+              <a:t>7/26/2017</a:t>
             </a:fld>
             <a:endParaRPr lang="en-US"/>
           </a:p>
@@ -6702,13 +6559,6 @@
   <p:clrMapOvr>
     <a:masterClrMapping/>
   </p:clrMapOvr>
-  <p:timing>
-    <p:tnLst>
-      <p:par>
-        <p:cTn id="1" dur="indefinite" restart="never" nodeType="tmRoot"/>
-      </p:par>
-    </p:tnLst>
-  </p:timing>
 </p:sldLayout>
 </file>
 
@@ -6754,10 +6604,9 @@
           </a:lstStyle>
           <a:p>
             <a:r>
-              <a:rPr lang="en-US" smtClean="0"/>
+              <a:rPr lang="en-US"/>
               <a:t>Click to edit Master title style</a:t>
             </a:r>
-            <a:endParaRPr lang="en-US"/>
           </a:p>
         </p:txBody>
       </p:sp>
@@ -6874,7 +6723,7 @@
           <a:p>
             <a:pPr lvl="0"/>
             <a:r>
-              <a:rPr lang="en-US" smtClean="0"/>
+              <a:rPr lang="en-US"/>
               <a:t>Click to edit Master text styles</a:t>
             </a:r>
           </a:p>
@@ -6897,7 +6746,7 @@
           <a:p>
             <a:fld id="{7C193DC4-6EF0-48C9-B29C-616106A645E1}" type="datetime1">
               <a:rPr lang="en-US" smtClean="0"/>
-              <a:t>8/5/2015</a:t>
+              <a:t>7/26/2017</a:t>
             </a:fld>
             <a:endParaRPr lang="en-US"/>
           </a:p>
@@ -6991,10 +6840,9 @@
           <a:lstStyle/>
           <a:p>
             <a:r>
-              <a:rPr lang="en-US" smtClean="0"/>
+              <a:rPr lang="en-US"/>
               <a:t>Click to edit Master title style</a:t>
             </a:r>
-            <a:endParaRPr lang="en-US"/>
           </a:p>
         </p:txBody>
       </p:sp>
@@ -7048,38 +6896,37 @@
           <a:p>
             <a:pPr lvl="0"/>
             <a:r>
-              <a:rPr lang="en-US" smtClean="0"/>
+              <a:rPr lang="en-US"/>
               <a:t>Click to edit Master text styles</a:t>
             </a:r>
           </a:p>
           <a:p>
             <a:pPr lvl="1"/>
             <a:r>
-              <a:rPr lang="en-US" smtClean="0"/>
+              <a:rPr lang="en-US"/>
               <a:t>Second level</a:t>
             </a:r>
           </a:p>
           <a:p>
             <a:pPr lvl="2"/>
             <a:r>
-              <a:rPr lang="en-US" smtClean="0"/>
+              <a:rPr lang="en-US"/>
               <a:t>Third level</a:t>
             </a:r>
           </a:p>
           <a:p>
             <a:pPr lvl="3"/>
             <a:r>
-              <a:rPr lang="en-US" smtClean="0"/>
+              <a:rPr lang="en-US"/>
               <a:t>Fourth level</a:t>
             </a:r>
           </a:p>
           <a:p>
             <a:pPr lvl="4"/>
             <a:r>
-              <a:rPr lang="en-US" smtClean="0"/>
+              <a:rPr lang="en-US"/>
               <a:t>Fifth level</a:t>
             </a:r>
-            <a:endParaRPr lang="en-US"/>
           </a:p>
         </p:txBody>
       </p:sp>
@@ -7133,38 +6980,37 @@
           <a:p>
             <a:pPr lvl="0"/>
             <a:r>
-              <a:rPr lang="en-US" smtClean="0"/>
+              <a:rPr lang="en-US"/>
               <a:t>Click to edit Master text styles</a:t>
             </a:r>
           </a:p>
           <a:p>
             <a:pPr lvl="1"/>
             <a:r>
-              <a:rPr lang="en-US" smtClean="0"/>
+              <a:rPr lang="en-US"/>
               <a:t>Second level</a:t>
             </a:r>
           </a:p>
           <a:p>
             <a:pPr lvl="2"/>
             <a:r>
-              <a:rPr lang="en-US" smtClean="0"/>
+              <a:rPr lang="en-US"/>
               <a:t>Third level</a:t>
             </a:r>
           </a:p>
           <a:p>
             <a:pPr lvl="3"/>
             <a:r>
-              <a:rPr lang="en-US" smtClean="0"/>
+              <a:rPr lang="en-US"/>
               <a:t>Fourth level</a:t>
             </a:r>
           </a:p>
           <a:p>
             <a:pPr lvl="4"/>
             <a:r>
-              <a:rPr lang="en-US" smtClean="0"/>
+              <a:rPr lang="en-US"/>
               <a:t>Fifth level</a:t>
             </a:r>
-            <a:endParaRPr lang="en-US"/>
           </a:p>
         </p:txBody>
       </p:sp>
@@ -7185,7 +7031,7 @@
           <a:p>
             <a:fld id="{5D1846AD-9252-4647-9435-4C2AC365653A}" type="datetime1">
               <a:rPr lang="en-US" smtClean="0"/>
-              <a:t>8/5/2015</a:t>
+              <a:t>7/26/2017</a:t>
             </a:fld>
             <a:endParaRPr lang="en-US"/>
           </a:p>
@@ -7283,10 +7129,9 @@
           </a:lstStyle>
           <a:p>
             <a:r>
-              <a:rPr lang="en-US" smtClean="0"/>
+              <a:rPr lang="en-US"/>
               <a:t>Click to edit Master title style</a:t>
             </a:r>
-            <a:endParaRPr lang="en-US"/>
           </a:p>
         </p:txBody>
       </p:sp>
@@ -7349,7 +7194,7 @@
           <a:p>
             <a:pPr lvl="0"/>
             <a:r>
-              <a:rPr lang="en-US" smtClean="0"/>
+              <a:rPr lang="en-US"/>
               <a:t>Click to edit Master text styles</a:t>
             </a:r>
           </a:p>
@@ -7405,38 +7250,37 @@
           <a:p>
             <a:pPr lvl="0"/>
             <a:r>
-              <a:rPr lang="en-US" smtClean="0"/>
+              <a:rPr lang="en-US"/>
               <a:t>Click to edit Master text styles</a:t>
             </a:r>
           </a:p>
           <a:p>
             <a:pPr lvl="1"/>
             <a:r>
-              <a:rPr lang="en-US" smtClean="0"/>
+              <a:rPr lang="en-US"/>
               <a:t>Second level</a:t>
             </a:r>
           </a:p>
           <a:p>
             <a:pPr lvl="2"/>
             <a:r>
-              <a:rPr lang="en-US" smtClean="0"/>
+              <a:rPr lang="en-US"/>
               <a:t>Third level</a:t>
             </a:r>
           </a:p>
           <a:p>
             <a:pPr lvl="3"/>
             <a:r>
-              <a:rPr lang="en-US" smtClean="0"/>
+              <a:rPr lang="en-US"/>
               <a:t>Fourth level</a:t>
             </a:r>
           </a:p>
           <a:p>
             <a:pPr lvl="4"/>
             <a:r>
-              <a:rPr lang="en-US" smtClean="0"/>
+              <a:rPr lang="en-US"/>
               <a:t>Fifth level</a:t>
             </a:r>
-            <a:endParaRPr lang="en-US"/>
           </a:p>
         </p:txBody>
       </p:sp>
@@ -7499,7 +7343,7 @@
           <a:p>
             <a:pPr lvl="0"/>
             <a:r>
-              <a:rPr lang="en-US" smtClean="0"/>
+              <a:rPr lang="en-US"/>
               <a:t>Click to edit Master text styles</a:t>
             </a:r>
           </a:p>
@@ -7555,38 +7399,37 @@
           <a:p>
             <a:pPr lvl="0"/>
             <a:r>
-              <a:rPr lang="en-US" smtClean="0"/>
+              <a:rPr lang="en-US"/>
               <a:t>Click to edit Master text styles</a:t>
             </a:r>
           </a:p>
           <a:p>
             <a:pPr lvl="1"/>
             <a:r>
-              <a:rPr lang="en-US" smtClean="0"/>
+              <a:rPr lang="en-US"/>
               <a:t>Second level</a:t>
             </a:r>
           </a:p>
           <a:p>
             <a:pPr lvl="2"/>
             <a:r>
-              <a:rPr lang="en-US" smtClean="0"/>
+              <a:rPr lang="en-US"/>
               <a:t>Third level</a:t>
             </a:r>
           </a:p>
           <a:p>
             <a:pPr lvl="3"/>
             <a:r>
-              <a:rPr lang="en-US" smtClean="0"/>
+              <a:rPr lang="en-US"/>
               <a:t>Fourth level</a:t>
             </a:r>
           </a:p>
           <a:p>
             <a:pPr lvl="4"/>
             <a:r>
-              <a:rPr lang="en-US" smtClean="0"/>
+              <a:rPr lang="en-US"/>
               <a:t>Fifth level</a:t>
             </a:r>
-            <a:endParaRPr lang="en-US"/>
           </a:p>
         </p:txBody>
       </p:sp>
@@ -7607,7 +7450,7 @@
           <a:p>
             <a:fld id="{CE56DC10-3561-4063-A6AF-C1CC7A41040A}" type="datetime1">
               <a:rPr lang="en-US" smtClean="0"/>
-              <a:t>8/5/2015</a:t>
+              <a:t>7/26/2017</a:t>
             </a:fld>
             <a:endParaRPr lang="en-US"/>
           </a:p>
@@ -7701,10 +7544,9 @@
           <a:lstStyle/>
           <a:p>
             <a:r>
-              <a:rPr lang="en-US" smtClean="0"/>
+              <a:rPr lang="en-US"/>
               <a:t>Click to edit Master title style</a:t>
             </a:r>
-            <a:endParaRPr lang="en-US"/>
           </a:p>
         </p:txBody>
       </p:sp>
@@ -7725,7 +7567,7 @@
           <a:p>
             <a:fld id="{2F7B77F5-1464-4F6B-92A8-64FC8A508293}" type="datetime1">
               <a:rPr lang="en-US" smtClean="0"/>
-              <a:t>8/5/2015</a:t>
+              <a:t>7/26/2017</a:t>
             </a:fld>
             <a:endParaRPr lang="en-US"/>
           </a:p>
@@ -7783,13 +7625,6 @@
   <p:clrMapOvr>
     <a:masterClrMapping/>
   </p:clrMapOvr>
-  <p:timing>
-    <p:tnLst>
-      <p:par>
-        <p:cTn id="1" dur="indefinite" restart="never" nodeType="tmRoot"/>
-      </p:par>
-    </p:tnLst>
-  </p:timing>
 </p:sldLayout>
 </file>
 
@@ -7827,7 +7662,7 @@
           <a:p>
             <a:fld id="{0A05703A-7669-4FEA-9056-25299B4D29D4}" type="datetime1">
               <a:rPr lang="en-US" smtClean="0"/>
-              <a:t>8/5/2015</a:t>
+              <a:t>7/26/2017</a:t>
             </a:fld>
             <a:endParaRPr lang="en-US"/>
           </a:p>
@@ -7930,10 +7765,9 @@
           </a:lstStyle>
           <a:p>
             <a:r>
-              <a:rPr lang="en-US" smtClean="0"/>
+              <a:rPr lang="en-US"/>
               <a:t>Click to edit Master title style</a:t>
             </a:r>
-            <a:endParaRPr lang="en-US"/>
           </a:p>
         </p:txBody>
       </p:sp>
@@ -7987,38 +7821,37 @@
           <a:p>
             <a:pPr lvl="0"/>
             <a:r>
-              <a:rPr lang="en-US" smtClean="0"/>
+              <a:rPr lang="en-US"/>
               <a:t>Click to edit Master text styles</a:t>
             </a:r>
           </a:p>
           <a:p>
             <a:pPr lvl="1"/>
             <a:r>
-              <a:rPr lang="en-US" smtClean="0"/>
+              <a:rPr lang="en-US"/>
               <a:t>Second level</a:t>
             </a:r>
           </a:p>
           <a:p>
             <a:pPr lvl="2"/>
             <a:r>
-              <a:rPr lang="en-US" smtClean="0"/>
+              <a:rPr lang="en-US"/>
               <a:t>Third level</a:t>
             </a:r>
           </a:p>
           <a:p>
             <a:pPr lvl="3"/>
             <a:r>
-              <a:rPr lang="en-US" smtClean="0"/>
+              <a:rPr lang="en-US"/>
               <a:t>Fourth level</a:t>
             </a:r>
           </a:p>
           <a:p>
             <a:pPr lvl="4"/>
             <a:r>
-              <a:rPr lang="en-US" smtClean="0"/>
+              <a:rPr lang="en-US"/>
               <a:t>Fifth level</a:t>
             </a:r>
-            <a:endParaRPr lang="en-US"/>
           </a:p>
         </p:txBody>
       </p:sp>
@@ -8081,7 +7914,7 @@
           <a:p>
             <a:pPr lvl="0"/>
             <a:r>
-              <a:rPr lang="en-US" smtClean="0"/>
+              <a:rPr lang="en-US"/>
               <a:t>Click to edit Master text styles</a:t>
             </a:r>
           </a:p>
@@ -8104,7 +7937,7 @@
           <a:p>
             <a:fld id="{6E5077B5-BB57-49DB-88CA-226A139E5C01}" type="datetime1">
               <a:rPr lang="en-US" smtClean="0"/>
-              <a:t>8/5/2015</a:t>
+              <a:t>7/26/2017</a:t>
             </a:fld>
             <a:endParaRPr lang="en-US"/>
           </a:p>
@@ -8207,10 +8040,9 @@
           </a:lstStyle>
           <a:p>
             <a:r>
-              <a:rPr lang="en-US" smtClean="0"/>
+              <a:rPr lang="en-US"/>
               <a:t>Click to edit Master title style</a:t>
             </a:r>
-            <a:endParaRPr lang="en-US"/>
           </a:p>
         </p:txBody>
       </p:sp>
@@ -8334,7 +8166,7 @@
           <a:p>
             <a:pPr lvl="0"/>
             <a:r>
-              <a:rPr lang="en-US" smtClean="0"/>
+              <a:rPr lang="en-US"/>
               <a:t>Click to edit Master text styles</a:t>
             </a:r>
           </a:p>
@@ -8357,7 +8189,7 @@
           <a:p>
             <a:fld id="{C48D9447-CBD6-49A1-89FD-8512A8CF8999}" type="datetime1">
               <a:rPr lang="en-US" smtClean="0"/>
-              <a:t>8/5/2015</a:t>
+              <a:t>7/26/2017</a:t>
             </a:fld>
             <a:endParaRPr lang="en-US"/>
           </a:p>
@@ -8451,10 +8283,9 @@
           <a:lstStyle/>
           <a:p>
             <a:r>
-              <a:rPr lang="en-US" smtClean="0"/>
+              <a:rPr lang="en-US"/>
               <a:t>Click to edit Master title style</a:t>
             </a:r>
-            <a:endParaRPr lang="en-US"/>
           </a:p>
         </p:txBody>
       </p:sp>
@@ -8475,38 +8306,37 @@
           <a:p>
             <a:pPr lvl="0"/>
             <a:r>
-              <a:rPr lang="en-US" smtClean="0"/>
+              <a:rPr lang="en-US"/>
               <a:t>Click to edit Master text styles</a:t>
             </a:r>
           </a:p>
           <a:p>
             <a:pPr lvl="1"/>
             <a:r>
-              <a:rPr lang="en-US" smtClean="0"/>
+              <a:rPr lang="en-US"/>
               <a:t>Second level</a:t>
             </a:r>
           </a:p>
           <a:p>
             <a:pPr lvl="2"/>
             <a:r>
-              <a:rPr lang="en-US" smtClean="0"/>
+              <a:rPr lang="en-US"/>
               <a:t>Third level</a:t>
             </a:r>
           </a:p>
           <a:p>
             <a:pPr lvl="3"/>
             <a:r>
-              <a:rPr lang="en-US" smtClean="0"/>
+              <a:rPr lang="en-US"/>
               <a:t>Fourth level</a:t>
             </a:r>
           </a:p>
           <a:p>
             <a:pPr lvl="4"/>
             <a:r>
-              <a:rPr lang="en-US" smtClean="0"/>
+              <a:rPr lang="en-US"/>
               <a:t>Fifth level</a:t>
             </a:r>
-            <a:endParaRPr lang="en-US"/>
           </a:p>
         </p:txBody>
       </p:sp>
@@ -8527,7 +8357,7 @@
           <a:p>
             <a:fld id="{A3639A2A-823D-48B7-9ACE-7FAF42870BA9}" type="datetime1">
               <a:rPr lang="en-US" smtClean="0"/>
-              <a:t>8/5/2015</a:t>
+              <a:t>7/26/2017</a:t>
             </a:fld>
             <a:endParaRPr lang="en-US"/>
           </a:p>
@@ -8630,10 +8460,9 @@
           </a:lstStyle>
           <a:p>
             <a:r>
-              <a:rPr lang="en-US" smtClean="0"/>
+              <a:rPr lang="en-US"/>
               <a:t>Click to edit Master title style</a:t>
             </a:r>
-            <a:endParaRPr lang="en-US"/>
           </a:p>
         </p:txBody>
       </p:sp>
@@ -8750,7 +8579,7 @@
           <a:p>
             <a:pPr lvl="0"/>
             <a:r>
-              <a:rPr lang="en-US" smtClean="0"/>
+              <a:rPr lang="en-US"/>
               <a:t>Click to edit Master text styles</a:t>
             </a:r>
           </a:p>
@@ -8773,7 +8602,7 @@
           <a:p>
             <a:fld id="{CC8AC921-EF94-4F68-97D0-D7E0E9A4111A}" type="datetime1">
               <a:rPr lang="en-US" smtClean="0"/>
-              <a:t>8/5/2015</a:t>
+              <a:t>7/26/2017</a:t>
             </a:fld>
             <a:endParaRPr lang="en-US"/>
           </a:p>
@@ -8872,10 +8701,9 @@
           <a:lstStyle/>
           <a:p>
             <a:r>
-              <a:rPr lang="en-US" smtClean="0"/>
+              <a:rPr lang="en-US"/>
               <a:t>Click to edit Master title style</a:t>
             </a:r>
-            <a:endParaRPr lang="en-US"/>
           </a:p>
         </p:txBody>
       </p:sp>
@@ -8901,38 +8729,37 @@
           <a:p>
             <a:pPr lvl="0"/>
             <a:r>
-              <a:rPr lang="en-US" smtClean="0"/>
+              <a:rPr lang="en-US"/>
               <a:t>Click to edit Master text styles</a:t>
             </a:r>
           </a:p>
           <a:p>
             <a:pPr lvl="1"/>
             <a:r>
-              <a:rPr lang="en-US" smtClean="0"/>
+              <a:rPr lang="en-US"/>
               <a:t>Second level</a:t>
             </a:r>
           </a:p>
           <a:p>
             <a:pPr lvl="2"/>
             <a:r>
-              <a:rPr lang="en-US" smtClean="0"/>
+              <a:rPr lang="en-US"/>
               <a:t>Third level</a:t>
             </a:r>
           </a:p>
           <a:p>
             <a:pPr lvl="3"/>
             <a:r>
-              <a:rPr lang="en-US" smtClean="0"/>
+              <a:rPr lang="en-US"/>
               <a:t>Fourth level</a:t>
             </a:r>
           </a:p>
           <a:p>
             <a:pPr lvl="4"/>
             <a:r>
-              <a:rPr lang="en-US" smtClean="0"/>
+              <a:rPr lang="en-US"/>
               <a:t>Fifth level</a:t>
             </a:r>
-            <a:endParaRPr lang="en-US"/>
           </a:p>
         </p:txBody>
       </p:sp>
@@ -8953,7 +8780,7 @@
           <a:p>
             <a:fld id="{ED1B6996-82E9-463C-972C-7B56056E426C}" type="datetime1">
               <a:rPr lang="en-US" smtClean="0"/>
-              <a:t>8/5/2015</a:t>
+              <a:t>7/26/2017</a:t>
             </a:fld>
             <a:endParaRPr lang="en-US"/>
           </a:p>
@@ -9052,10 +8879,9 @@
           <a:lstStyle/>
           <a:p>
             <a:r>
-              <a:rPr lang="en-US" smtClean="0"/>
+              <a:rPr lang="en-US"/>
               <a:t>Click to edit Master title style</a:t>
             </a:r>
-            <a:endParaRPr lang="en-US"/>
           </a:p>
         </p:txBody>
       </p:sp>
@@ -9171,10 +8997,9 @@
           </a:lstStyle>
           <a:p>
             <a:r>
-              <a:rPr lang="en-US" smtClean="0"/>
+              <a:rPr lang="en-US"/>
               <a:t>Click to edit Master subtitle style</a:t>
             </a:r>
-            <a:endParaRPr lang="en-US"/>
           </a:p>
         </p:txBody>
       </p:sp>
@@ -9195,7 +9020,7 @@
           <a:p>
             <a:fld id="{2F1F79F5-7BEC-496A-AFC7-876E38F64D71}" type="datetime1">
               <a:rPr lang="en-US" smtClean="0"/>
-              <a:t>8/5/2015</a:t>
+              <a:t>7/26/2017</a:t>
             </a:fld>
             <a:endParaRPr lang="en-US"/>
           </a:p>
@@ -9253,13 +9078,6 @@
   <p:clrMapOvr>
     <a:masterClrMapping/>
   </p:clrMapOvr>
-  <p:timing>
-    <p:tnLst>
-      <p:par>
-        <p:cTn id="1" dur="indefinite" restart="never" nodeType="tmRoot"/>
-      </p:par>
-    </p:tnLst>
-  </p:timing>
 </p:sldLayout>
 </file>
 
@@ -9302,10 +9120,9 @@
           <a:lstStyle/>
           <a:p>
             <a:r>
-              <a:rPr lang="en-US" dirty="0" smtClean="0"/>
+              <a:rPr lang="en-US" dirty="0"/>
               <a:t>Click to edit Master title style</a:t>
             </a:r>
-            <a:endParaRPr lang="en-US" dirty="0"/>
           </a:p>
         </p:txBody>
       </p:sp>
@@ -9326,38 +9143,37 @@
           <a:p>
             <a:pPr lvl="0"/>
             <a:r>
-              <a:rPr lang="en-US" smtClean="0"/>
+              <a:rPr lang="en-US"/>
               <a:t>Click to edit Master text styles</a:t>
             </a:r>
           </a:p>
           <a:p>
             <a:pPr lvl="1"/>
             <a:r>
-              <a:rPr lang="en-US" smtClean="0"/>
+              <a:rPr lang="en-US"/>
               <a:t>Second level</a:t>
             </a:r>
           </a:p>
           <a:p>
             <a:pPr lvl="2"/>
             <a:r>
-              <a:rPr lang="en-US" smtClean="0"/>
+              <a:rPr lang="en-US"/>
               <a:t>Third level</a:t>
             </a:r>
           </a:p>
           <a:p>
             <a:pPr lvl="3"/>
             <a:r>
-              <a:rPr lang="en-US" smtClean="0"/>
+              <a:rPr lang="en-US"/>
               <a:t>Fourth level</a:t>
             </a:r>
           </a:p>
           <a:p>
             <a:pPr lvl="4"/>
             <a:r>
-              <a:rPr lang="en-US" smtClean="0"/>
+              <a:rPr lang="en-US"/>
               <a:t>Fifth level</a:t>
             </a:r>
-            <a:endParaRPr lang="en-US"/>
           </a:p>
         </p:txBody>
       </p:sp>
@@ -9378,7 +9194,7 @@
           <a:p>
             <a:fld id="{E22ED4DA-448D-4BB1-B935-CC112220207B}" type="datetime1">
               <a:rPr lang="en-US" smtClean="0"/>
-              <a:t>8/5/2015</a:t>
+              <a:t>7/26/2017</a:t>
             </a:fld>
             <a:endParaRPr lang="en-US"/>
           </a:p>
@@ -9436,13 +9252,6 @@
   <p:clrMapOvr>
     <a:masterClrMapping/>
   </p:clrMapOvr>
-  <p:timing>
-    <p:tnLst>
-      <p:par>
-        <p:cTn id="1" dur="indefinite" restart="never" nodeType="tmRoot"/>
-      </p:par>
-    </p:tnLst>
-  </p:timing>
 </p:sldLayout>
 </file>
 
@@ -9479,10 +9288,9 @@
           <a:lstStyle/>
           <a:p>
             <a:r>
-              <a:rPr lang="en-US" smtClean="0"/>
+              <a:rPr lang="en-US"/>
               <a:t>Click to edit Master title style</a:t>
             </a:r>
-            <a:endParaRPr lang="en-US"/>
           </a:p>
         </p:txBody>
       </p:sp>
@@ -9508,38 +9316,37 @@
           <a:p>
             <a:pPr lvl="0"/>
             <a:r>
-              <a:rPr lang="en-US" dirty="0" smtClean="0"/>
+              <a:rPr lang="en-US" dirty="0"/>
               <a:t>Click to edit Master text styles</a:t>
             </a:r>
           </a:p>
           <a:p>
             <a:pPr lvl="1"/>
             <a:r>
-              <a:rPr lang="en-US" dirty="0" smtClean="0"/>
+              <a:rPr lang="en-US" dirty="0"/>
               <a:t>Second level</a:t>
             </a:r>
           </a:p>
           <a:p>
             <a:pPr lvl="2"/>
             <a:r>
-              <a:rPr lang="en-US" dirty="0" smtClean="0"/>
+              <a:rPr lang="en-US" dirty="0"/>
               <a:t>Third level</a:t>
             </a:r>
           </a:p>
           <a:p>
             <a:pPr lvl="3"/>
             <a:r>
-              <a:rPr lang="en-US" dirty="0" smtClean="0"/>
+              <a:rPr lang="en-US" dirty="0"/>
               <a:t>Fourth level</a:t>
             </a:r>
           </a:p>
           <a:p>
             <a:pPr lvl="4"/>
             <a:r>
-              <a:rPr lang="en-US" dirty="0" smtClean="0"/>
+              <a:rPr lang="en-US" dirty="0"/>
               <a:t>Fifth level</a:t>
             </a:r>
-            <a:endParaRPr lang="en-US" dirty="0"/>
           </a:p>
         </p:txBody>
       </p:sp>
@@ -9560,7 +9367,7 @@
           <a:p>
             <a:fld id="{E22ED4DA-448D-4BB1-B935-CC112220207B}" type="datetime1">
               <a:rPr lang="en-US" smtClean="0"/>
-              <a:t>8/5/2015</a:t>
+              <a:t>7/26/2017</a:t>
             </a:fld>
             <a:endParaRPr lang="en-US"/>
           </a:p>
@@ -9650,7 +9457,7 @@
           <a:lstStyle/>
           <a:p>
             <a:pPr algn="ctr"/>
-            <a:endParaRPr lang="en-US" dirty="0" smtClean="0">
+            <a:endParaRPr lang="en-US" dirty="0">
               <a:solidFill>
                 <a:schemeClr val="tx1"/>
               </a:solidFill>
@@ -9681,11 +9488,11 @@
           <a:lstStyle/>
           <a:p>
             <a:r>
-              <a:rPr lang="en-US" dirty="0" smtClean="0"/>
+              <a:rPr lang="en-US" dirty="0"/>
               <a:t>Resize video to this</a:t>
             </a:r>
             <a:r>
-              <a:rPr lang="en-US" baseline="0" dirty="0" smtClean="0"/>
+              <a:rPr lang="en-US" baseline="0" dirty="0"/>
               <a:t> box.</a:t>
             </a:r>
             <a:endParaRPr lang="en-US" dirty="0"/>
@@ -9702,13 +9509,6 @@
   <p:clrMapOvr>
     <a:masterClrMapping/>
   </p:clrMapOvr>
-  <p:timing>
-    <p:tnLst>
-      <p:par>
-        <p:cTn id="1" dur="indefinite" restart="never" nodeType="tmRoot"/>
-      </p:par>
-    </p:tnLst>
-  </p:timing>
 </p:sldLayout>
 </file>
 
@@ -9745,10 +9545,9 @@
           <a:lstStyle/>
           <a:p>
             <a:r>
-              <a:rPr lang="en-US" smtClean="0"/>
+              <a:rPr lang="en-US"/>
               <a:t>Click to edit Master title style</a:t>
             </a:r>
-            <a:endParaRPr lang="en-US"/>
           </a:p>
         </p:txBody>
       </p:sp>
@@ -9777,38 +9576,37 @@
           <a:p>
             <a:pPr lvl="0"/>
             <a:r>
-              <a:rPr lang="en-US" dirty="0" smtClean="0"/>
+              <a:rPr lang="en-US" dirty="0"/>
               <a:t>Click to edit Master text styles</a:t>
             </a:r>
           </a:p>
           <a:p>
             <a:pPr lvl="1"/>
             <a:r>
-              <a:rPr lang="en-US" dirty="0" smtClean="0"/>
+              <a:rPr lang="en-US" dirty="0"/>
               <a:t>Second level</a:t>
             </a:r>
           </a:p>
           <a:p>
             <a:pPr lvl="2"/>
             <a:r>
-              <a:rPr lang="en-US" dirty="0" smtClean="0"/>
+              <a:rPr lang="en-US" dirty="0"/>
               <a:t>Third level</a:t>
             </a:r>
           </a:p>
           <a:p>
             <a:pPr lvl="3"/>
             <a:r>
-              <a:rPr lang="en-US" dirty="0" smtClean="0"/>
+              <a:rPr lang="en-US" dirty="0"/>
               <a:t>Fourth level</a:t>
             </a:r>
           </a:p>
           <a:p>
             <a:pPr lvl="4"/>
             <a:r>
-              <a:rPr lang="en-US" dirty="0" smtClean="0"/>
+              <a:rPr lang="en-US" dirty="0"/>
               <a:t>Fifth level</a:t>
             </a:r>
-            <a:endParaRPr lang="en-US" dirty="0"/>
           </a:p>
         </p:txBody>
       </p:sp>
@@ -9829,7 +9627,7 @@
           <a:p>
             <a:fld id="{FF5D65A6-AB94-4435-B0B7-3743215FA46C}" type="datetime1">
               <a:rPr lang="en-US" smtClean="0"/>
-              <a:t>8/5/2015</a:t>
+              <a:t>7/26/2017</a:t>
             </a:fld>
             <a:endParaRPr lang="en-US"/>
           </a:p>
@@ -9887,13 +9685,6 @@
   <p:clrMapOvr>
     <a:masterClrMapping/>
   </p:clrMapOvr>
-  <p:timing>
-    <p:tnLst>
-      <p:par>
-        <p:cTn id="1" dur="indefinite" restart="never" nodeType="tmRoot"/>
-      </p:par>
-    </p:tnLst>
-  </p:timing>
 </p:sldLayout>
 </file>
 
@@ -9930,10 +9721,9 @@
           <a:lstStyle/>
           <a:p>
             <a:r>
-              <a:rPr lang="en-US" smtClean="0"/>
+              <a:rPr lang="en-US"/>
               <a:t>Click to edit Master title style</a:t>
             </a:r>
-            <a:endParaRPr lang="en-US"/>
           </a:p>
         </p:txBody>
       </p:sp>
@@ -9962,38 +9752,37 @@
           <a:p>
             <a:pPr lvl="0"/>
             <a:r>
-              <a:rPr lang="en-US" dirty="0" smtClean="0"/>
+              <a:rPr lang="en-US" dirty="0"/>
               <a:t>Click to edit Master text styles</a:t>
             </a:r>
           </a:p>
           <a:p>
             <a:pPr lvl="1"/>
             <a:r>
-              <a:rPr lang="en-US" dirty="0" smtClean="0"/>
+              <a:rPr lang="en-US" dirty="0"/>
               <a:t>Second level</a:t>
             </a:r>
           </a:p>
           <a:p>
             <a:pPr lvl="2"/>
             <a:r>
-              <a:rPr lang="en-US" dirty="0" smtClean="0"/>
+              <a:rPr lang="en-US" dirty="0"/>
               <a:t>Third level</a:t>
             </a:r>
           </a:p>
           <a:p>
             <a:pPr lvl="3"/>
             <a:r>
-              <a:rPr lang="en-US" dirty="0" smtClean="0"/>
+              <a:rPr lang="en-US" dirty="0"/>
               <a:t>Fourth level</a:t>
             </a:r>
           </a:p>
           <a:p>
             <a:pPr lvl="4"/>
             <a:r>
-              <a:rPr lang="en-US" dirty="0" smtClean="0"/>
+              <a:rPr lang="en-US" dirty="0"/>
               <a:t>Fifth level</a:t>
             </a:r>
-            <a:endParaRPr lang="en-US" dirty="0"/>
           </a:p>
         </p:txBody>
       </p:sp>
@@ -10014,7 +9803,7 @@
           <a:p>
             <a:fld id="{FF5D65A6-AB94-4435-B0B7-3743215FA46C}" type="datetime1">
               <a:rPr lang="en-US" smtClean="0"/>
-              <a:t>8/5/2015</a:t>
+              <a:t>7/26/2017</a:t>
             </a:fld>
             <a:endParaRPr lang="en-US"/>
           </a:p>
@@ -10121,13 +9910,6 @@
   <p:clrMapOvr>
     <a:masterClrMapping/>
   </p:clrMapOvr>
-  <p:timing>
-    <p:tnLst>
-      <p:par>
-        <p:cTn id="1" dur="indefinite" restart="never" nodeType="tmRoot"/>
-      </p:par>
-    </p:tnLst>
-  </p:timing>
 </p:sldLayout>
 </file>
 
@@ -10173,10 +9955,9 @@
           </a:lstStyle>
           <a:p>
             <a:r>
-              <a:rPr lang="en-US" smtClean="0"/>
+              <a:rPr lang="en-US"/>
               <a:t>Click to edit Master title style</a:t>
             </a:r>
-            <a:endParaRPr lang="en-US"/>
           </a:p>
         </p:txBody>
       </p:sp>
@@ -10293,7 +10074,7 @@
           <a:p>
             <a:pPr lvl="0"/>
             <a:r>
-              <a:rPr lang="en-US" smtClean="0"/>
+              <a:rPr lang="en-US"/>
               <a:t>Click to edit Master text styles</a:t>
             </a:r>
           </a:p>
@@ -10316,7 +10097,7 @@
           <a:p>
             <a:fld id="{7C193DC4-6EF0-48C9-B29C-616106A645E1}" type="datetime1">
               <a:rPr lang="en-US" smtClean="0"/>
-              <a:t>8/5/2015</a:t>
+              <a:t>7/26/2017</a:t>
             </a:fld>
             <a:endParaRPr lang="en-US"/>
           </a:p>
@@ -10410,10 +10191,9 @@
           <a:lstStyle/>
           <a:p>
             <a:r>
-              <a:rPr lang="en-US" smtClean="0"/>
+              <a:rPr lang="en-US"/>
               <a:t>Click to edit Master title style</a:t>
             </a:r>
-            <a:endParaRPr lang="en-US"/>
           </a:p>
         </p:txBody>
       </p:sp>
@@ -10467,38 +10247,37 @@
           <a:p>
             <a:pPr lvl="0"/>
             <a:r>
-              <a:rPr lang="en-US" smtClean="0"/>
+              <a:rPr lang="en-US"/>
               <a:t>Click to edit Master text styles</a:t>
             </a:r>
           </a:p>
           <a:p>
             <a:pPr lvl="1"/>
             <a:r>
-              <a:rPr lang="en-US" smtClean="0"/>
+              <a:rPr lang="en-US"/>
               <a:t>Second level</a:t>
             </a:r>
           </a:p>
           <a:p>
             <a:pPr lvl="2"/>
             <a:r>
-              <a:rPr lang="en-US" smtClean="0"/>
+              <a:rPr lang="en-US"/>
               <a:t>Third level</a:t>
             </a:r>
           </a:p>
           <a:p>
             <a:pPr lvl="3"/>
             <a:r>
-              <a:rPr lang="en-US" smtClean="0"/>
+              <a:rPr lang="en-US"/>
               <a:t>Fourth level</a:t>
             </a:r>
           </a:p>
           <a:p>
             <a:pPr lvl="4"/>
             <a:r>
-              <a:rPr lang="en-US" smtClean="0"/>
+              <a:rPr lang="en-US"/>
               <a:t>Fifth level</a:t>
             </a:r>
-            <a:endParaRPr lang="en-US"/>
           </a:p>
         </p:txBody>
       </p:sp>
@@ -10552,38 +10331,37 @@
           <a:p>
             <a:pPr lvl="0"/>
             <a:r>
-              <a:rPr lang="en-US" smtClean="0"/>
+              <a:rPr lang="en-US"/>
               <a:t>Click to edit Master text styles</a:t>
             </a:r>
           </a:p>
           <a:p>
             <a:pPr lvl="1"/>
             <a:r>
-              <a:rPr lang="en-US" smtClean="0"/>
+              <a:rPr lang="en-US"/>
               <a:t>Second level</a:t>
             </a:r>
           </a:p>
           <a:p>
             <a:pPr lvl="2"/>
             <a:r>
-              <a:rPr lang="en-US" smtClean="0"/>
+              <a:rPr lang="en-US"/>
               <a:t>Third level</a:t>
             </a:r>
           </a:p>
           <a:p>
             <a:pPr lvl="3"/>
             <a:r>
-              <a:rPr lang="en-US" smtClean="0"/>
+              <a:rPr lang="en-US"/>
               <a:t>Fourth level</a:t>
             </a:r>
           </a:p>
           <a:p>
             <a:pPr lvl="4"/>
             <a:r>
-              <a:rPr lang="en-US" smtClean="0"/>
+              <a:rPr lang="en-US"/>
               <a:t>Fifth level</a:t>
             </a:r>
-            <a:endParaRPr lang="en-US"/>
           </a:p>
         </p:txBody>
       </p:sp>
@@ -10604,7 +10382,7 @@
           <a:p>
             <a:fld id="{5D1846AD-9252-4647-9435-4C2AC365653A}" type="datetime1">
               <a:rPr lang="en-US" smtClean="0"/>
-              <a:t>8/5/2015</a:t>
+              <a:t>7/26/2017</a:t>
             </a:fld>
             <a:endParaRPr lang="en-US"/>
           </a:p>
@@ -10702,10 +10480,9 @@
           </a:lstStyle>
           <a:p>
             <a:r>
-              <a:rPr lang="en-US" smtClean="0"/>
+              <a:rPr lang="en-US"/>
               <a:t>Click to edit Master title style</a:t>
             </a:r>
-            <a:endParaRPr lang="en-US"/>
           </a:p>
         </p:txBody>
       </p:sp>
@@ -10768,7 +10545,7 @@
           <a:p>
             <a:pPr lvl="0"/>
             <a:r>
-              <a:rPr lang="en-US" smtClean="0"/>
+              <a:rPr lang="en-US"/>
               <a:t>Click to edit Master text styles</a:t>
             </a:r>
           </a:p>
@@ -10824,38 +10601,37 @@
           <a:p>
             <a:pPr lvl="0"/>
             <a:r>
-              <a:rPr lang="en-US" smtClean="0"/>
+              <a:rPr lang="en-US"/>
               <a:t>Click to edit Master text styles</a:t>
             </a:r>
           </a:p>
           <a:p>
             <a:pPr lvl="1"/>
             <a:r>
-              <a:rPr lang="en-US" smtClean="0"/>
+              <a:rPr lang="en-US"/>
               <a:t>Second level</a:t>
             </a:r>
           </a:p>
           <a:p>
             <a:pPr lvl="2"/>
             <a:r>
-              <a:rPr lang="en-US" smtClean="0"/>
+              <a:rPr lang="en-US"/>
               <a:t>Third level</a:t>
             </a:r>
           </a:p>
           <a:p>
             <a:pPr lvl="3"/>
             <a:r>
-              <a:rPr lang="en-US" smtClean="0"/>
+              <a:rPr lang="en-US"/>
               <a:t>Fourth level</a:t>
             </a:r>
           </a:p>
           <a:p>
             <a:pPr lvl="4"/>
             <a:r>
-              <a:rPr lang="en-US" smtClean="0"/>
+              <a:rPr lang="en-US"/>
               <a:t>Fifth level</a:t>
             </a:r>
-            <a:endParaRPr lang="en-US"/>
           </a:p>
         </p:txBody>
       </p:sp>
@@ -10918,7 +10694,7 @@
           <a:p>
             <a:pPr lvl="0"/>
             <a:r>
-              <a:rPr lang="en-US" smtClean="0"/>
+              <a:rPr lang="en-US"/>
               <a:t>Click to edit Master text styles</a:t>
             </a:r>
           </a:p>
@@ -10974,38 +10750,37 @@
           <a:p>
             <a:pPr lvl="0"/>
             <a:r>
-              <a:rPr lang="en-US" smtClean="0"/>
+              <a:rPr lang="en-US"/>
               <a:t>Click to edit Master text styles</a:t>
             </a:r>
           </a:p>
           <a:p>
             <a:pPr lvl="1"/>
             <a:r>
-              <a:rPr lang="en-US" smtClean="0"/>
+              <a:rPr lang="en-US"/>
               <a:t>Second level</a:t>
             </a:r>
           </a:p>
           <a:p>
             <a:pPr lvl="2"/>
             <a:r>
-              <a:rPr lang="en-US" smtClean="0"/>
+              <a:rPr lang="en-US"/>
               <a:t>Third level</a:t>
             </a:r>
           </a:p>
           <a:p>
             <a:pPr lvl="3"/>
             <a:r>
-              <a:rPr lang="en-US" smtClean="0"/>
+              <a:rPr lang="en-US"/>
               <a:t>Fourth level</a:t>
             </a:r>
           </a:p>
           <a:p>
             <a:pPr lvl="4"/>
             <a:r>
-              <a:rPr lang="en-US" smtClean="0"/>
+              <a:rPr lang="en-US"/>
               <a:t>Fifth level</a:t>
             </a:r>
-            <a:endParaRPr lang="en-US"/>
           </a:p>
         </p:txBody>
       </p:sp>
@@ -11026,7 +10801,7 @@
           <a:p>
             <a:fld id="{CE56DC10-3561-4063-A6AF-C1CC7A41040A}" type="datetime1">
               <a:rPr lang="en-US" smtClean="0"/>
-              <a:t>8/5/2015</a:t>
+              <a:t>7/26/2017</a:t>
             </a:fld>
             <a:endParaRPr lang="en-US"/>
           </a:p>
@@ -11120,10 +10895,9 @@
           <a:lstStyle/>
           <a:p>
             <a:r>
-              <a:rPr lang="en-US" smtClean="0"/>
+              <a:rPr lang="en-US"/>
               <a:t>Click to edit Master title style</a:t>
             </a:r>
-            <a:endParaRPr lang="en-US"/>
           </a:p>
         </p:txBody>
       </p:sp>
@@ -11144,7 +10918,7 @@
           <a:p>
             <a:fld id="{2F7B77F5-1464-4F6B-92A8-64FC8A508293}" type="datetime1">
               <a:rPr lang="en-US" smtClean="0"/>
-              <a:t>8/5/2015</a:t>
+              <a:t>7/26/2017</a:t>
             </a:fld>
             <a:endParaRPr lang="en-US"/>
           </a:p>
@@ -11202,13 +10976,6 @@
   <p:clrMapOvr>
     <a:masterClrMapping/>
   </p:clrMapOvr>
-  <p:timing>
-    <p:tnLst>
-      <p:par>
-        <p:cTn id="1" dur="indefinite" restart="never" nodeType="tmRoot"/>
-      </p:par>
-    </p:tnLst>
-  </p:timing>
 </p:sldLayout>
 </file>
 
@@ -11245,10 +11012,9 @@
           <a:lstStyle/>
           <a:p>
             <a:r>
-              <a:rPr lang="en-US" smtClean="0"/>
+              <a:rPr lang="en-US"/>
               <a:t>Click to edit Master title style</a:t>
             </a:r>
-            <a:endParaRPr lang="en-US"/>
           </a:p>
         </p:txBody>
       </p:sp>
@@ -11302,38 +11068,37 @@
           <a:p>
             <a:pPr lvl="0"/>
             <a:r>
-              <a:rPr lang="en-US" smtClean="0"/>
+              <a:rPr lang="en-US"/>
               <a:t>Click to edit Master text styles</a:t>
             </a:r>
           </a:p>
           <a:p>
             <a:pPr lvl="1"/>
             <a:r>
-              <a:rPr lang="en-US" smtClean="0"/>
+              <a:rPr lang="en-US"/>
               <a:t>Second level</a:t>
             </a:r>
           </a:p>
           <a:p>
             <a:pPr lvl="2"/>
             <a:r>
-              <a:rPr lang="en-US" smtClean="0"/>
+              <a:rPr lang="en-US"/>
               <a:t>Third level</a:t>
             </a:r>
           </a:p>
           <a:p>
             <a:pPr lvl="3"/>
             <a:r>
-              <a:rPr lang="en-US" smtClean="0"/>
+              <a:rPr lang="en-US"/>
               <a:t>Fourth level</a:t>
             </a:r>
           </a:p>
           <a:p>
             <a:pPr lvl="4"/>
             <a:r>
-              <a:rPr lang="en-US" smtClean="0"/>
+              <a:rPr lang="en-US"/>
               <a:t>Fifth level</a:t>
             </a:r>
-            <a:endParaRPr lang="en-US"/>
           </a:p>
         </p:txBody>
       </p:sp>
@@ -11387,38 +11152,37 @@
           <a:p>
             <a:pPr lvl="0"/>
             <a:r>
-              <a:rPr lang="en-US" smtClean="0"/>
+              <a:rPr lang="en-US"/>
               <a:t>Click to edit Master text styles</a:t>
             </a:r>
           </a:p>
           <a:p>
             <a:pPr lvl="1"/>
             <a:r>
-              <a:rPr lang="en-US" smtClean="0"/>
+              <a:rPr lang="en-US"/>
               <a:t>Second level</a:t>
             </a:r>
           </a:p>
           <a:p>
             <a:pPr lvl="2"/>
             <a:r>
-              <a:rPr lang="en-US" smtClean="0"/>
+              <a:rPr lang="en-US"/>
               <a:t>Third level</a:t>
             </a:r>
           </a:p>
           <a:p>
             <a:pPr lvl="3"/>
             <a:r>
-              <a:rPr lang="en-US" smtClean="0"/>
+              <a:rPr lang="en-US"/>
               <a:t>Fourth level</a:t>
             </a:r>
           </a:p>
           <a:p>
             <a:pPr lvl="4"/>
             <a:r>
-              <a:rPr lang="en-US" smtClean="0"/>
+              <a:rPr lang="en-US"/>
               <a:t>Fifth level</a:t>
             </a:r>
-            <a:endParaRPr lang="en-US"/>
           </a:p>
         </p:txBody>
       </p:sp>
@@ -11439,7 +11203,7 @@
           <a:p>
             <a:fld id="{8F137804-4134-44B3-83BB-BF4EDFE76623}" type="datetime1">
               <a:rPr lang="en-US" smtClean="0"/>
-              <a:t>8/5/2015</a:t>
+              <a:t>7/26/2017</a:t>
             </a:fld>
             <a:endParaRPr lang="en-US"/>
           </a:p>
@@ -11534,7 +11298,7 @@
           <a:p>
             <a:fld id="{0A05703A-7669-4FEA-9056-25299B4D29D4}" type="datetime1">
               <a:rPr lang="en-US" smtClean="0"/>
-              <a:t>8/5/2015</a:t>
+              <a:t>7/26/2017</a:t>
             </a:fld>
             <a:endParaRPr lang="en-US"/>
           </a:p>
@@ -11637,10 +11401,9 @@
           </a:lstStyle>
           <a:p>
             <a:r>
-              <a:rPr lang="en-US" smtClean="0"/>
+              <a:rPr lang="en-US"/>
               <a:t>Click to edit Master title style</a:t>
             </a:r>
-            <a:endParaRPr lang="en-US"/>
           </a:p>
         </p:txBody>
       </p:sp>
@@ -11694,38 +11457,37 @@
           <a:p>
             <a:pPr lvl="0"/>
             <a:r>
-              <a:rPr lang="en-US" smtClean="0"/>
+              <a:rPr lang="en-US"/>
               <a:t>Click to edit Master text styles</a:t>
             </a:r>
           </a:p>
           <a:p>
             <a:pPr lvl="1"/>
             <a:r>
-              <a:rPr lang="en-US" smtClean="0"/>
+              <a:rPr lang="en-US"/>
               <a:t>Second level</a:t>
             </a:r>
           </a:p>
           <a:p>
             <a:pPr lvl="2"/>
             <a:r>
-              <a:rPr lang="en-US" smtClean="0"/>
+              <a:rPr lang="en-US"/>
               <a:t>Third level</a:t>
             </a:r>
           </a:p>
           <a:p>
             <a:pPr lvl="3"/>
             <a:r>
-              <a:rPr lang="en-US" smtClean="0"/>
+              <a:rPr lang="en-US"/>
               <a:t>Fourth level</a:t>
             </a:r>
           </a:p>
           <a:p>
             <a:pPr lvl="4"/>
             <a:r>
-              <a:rPr lang="en-US" smtClean="0"/>
+              <a:rPr lang="en-US"/>
               <a:t>Fifth level</a:t>
             </a:r>
-            <a:endParaRPr lang="en-US"/>
           </a:p>
         </p:txBody>
       </p:sp>
@@ -11788,7 +11550,7 @@
           <a:p>
             <a:pPr lvl="0"/>
             <a:r>
-              <a:rPr lang="en-US" smtClean="0"/>
+              <a:rPr lang="en-US"/>
               <a:t>Click to edit Master text styles</a:t>
             </a:r>
           </a:p>
@@ -11811,7 +11573,7 @@
           <a:p>
             <a:fld id="{6E5077B5-BB57-49DB-88CA-226A139E5C01}" type="datetime1">
               <a:rPr lang="en-US" smtClean="0"/>
-              <a:t>8/5/2015</a:t>
+              <a:t>7/26/2017</a:t>
             </a:fld>
             <a:endParaRPr lang="en-US"/>
           </a:p>
@@ -11914,10 +11676,9 @@
           </a:lstStyle>
           <a:p>
             <a:r>
-              <a:rPr lang="en-US" smtClean="0"/>
+              <a:rPr lang="en-US"/>
               <a:t>Click to edit Master title style</a:t>
             </a:r>
-            <a:endParaRPr lang="en-US"/>
           </a:p>
         </p:txBody>
       </p:sp>
@@ -12041,7 +11802,7 @@
           <a:p>
             <a:pPr lvl="0"/>
             <a:r>
-              <a:rPr lang="en-US" smtClean="0"/>
+              <a:rPr lang="en-US"/>
               <a:t>Click to edit Master text styles</a:t>
             </a:r>
           </a:p>
@@ -12064,7 +11825,7 @@
           <a:p>
             <a:fld id="{C48D9447-CBD6-49A1-89FD-8512A8CF8999}" type="datetime1">
               <a:rPr lang="en-US" smtClean="0"/>
-              <a:t>8/5/2015</a:t>
+              <a:t>7/26/2017</a:t>
             </a:fld>
             <a:endParaRPr lang="en-US"/>
           </a:p>
@@ -12158,10 +11919,9 @@
           <a:lstStyle/>
           <a:p>
             <a:r>
-              <a:rPr lang="en-US" smtClean="0"/>
+              <a:rPr lang="en-US"/>
               <a:t>Click to edit Master title style</a:t>
             </a:r>
-            <a:endParaRPr lang="en-US"/>
           </a:p>
         </p:txBody>
       </p:sp>
@@ -12182,38 +11942,37 @@
           <a:p>
             <a:pPr lvl="0"/>
             <a:r>
-              <a:rPr lang="en-US" smtClean="0"/>
+              <a:rPr lang="en-US"/>
               <a:t>Click to edit Master text styles</a:t>
             </a:r>
           </a:p>
           <a:p>
             <a:pPr lvl="1"/>
             <a:r>
-              <a:rPr lang="en-US" smtClean="0"/>
+              <a:rPr lang="en-US"/>
               <a:t>Second level</a:t>
             </a:r>
           </a:p>
           <a:p>
             <a:pPr lvl="2"/>
             <a:r>
-              <a:rPr lang="en-US" smtClean="0"/>
+              <a:rPr lang="en-US"/>
               <a:t>Third level</a:t>
             </a:r>
           </a:p>
           <a:p>
             <a:pPr lvl="3"/>
             <a:r>
-              <a:rPr lang="en-US" smtClean="0"/>
+              <a:rPr lang="en-US"/>
               <a:t>Fourth level</a:t>
             </a:r>
           </a:p>
           <a:p>
             <a:pPr lvl="4"/>
             <a:r>
-              <a:rPr lang="en-US" smtClean="0"/>
+              <a:rPr lang="en-US"/>
               <a:t>Fifth level</a:t>
             </a:r>
-            <a:endParaRPr lang="en-US"/>
           </a:p>
         </p:txBody>
       </p:sp>
@@ -12234,7 +11993,7 @@
           <a:p>
             <a:fld id="{A3639A2A-823D-48B7-9ACE-7FAF42870BA9}" type="datetime1">
               <a:rPr lang="en-US" smtClean="0"/>
-              <a:t>8/5/2015</a:t>
+              <a:t>7/26/2017</a:t>
             </a:fld>
             <a:endParaRPr lang="en-US"/>
           </a:p>
@@ -12333,10 +12092,9 @@
           <a:lstStyle/>
           <a:p>
             <a:r>
-              <a:rPr lang="en-US" smtClean="0"/>
+              <a:rPr lang="en-US"/>
               <a:t>Click to edit Master title style</a:t>
             </a:r>
-            <a:endParaRPr lang="en-US"/>
           </a:p>
         </p:txBody>
       </p:sp>
@@ -12362,38 +12120,37 @@
           <a:p>
             <a:pPr lvl="0"/>
             <a:r>
-              <a:rPr lang="en-US" smtClean="0"/>
+              <a:rPr lang="en-US"/>
               <a:t>Click to edit Master text styles</a:t>
             </a:r>
           </a:p>
           <a:p>
             <a:pPr lvl="1"/>
             <a:r>
-              <a:rPr lang="en-US" smtClean="0"/>
+              <a:rPr lang="en-US"/>
               <a:t>Second level</a:t>
             </a:r>
           </a:p>
           <a:p>
             <a:pPr lvl="2"/>
             <a:r>
-              <a:rPr lang="en-US" smtClean="0"/>
+              <a:rPr lang="en-US"/>
               <a:t>Third level</a:t>
             </a:r>
           </a:p>
           <a:p>
             <a:pPr lvl="3"/>
             <a:r>
-              <a:rPr lang="en-US" smtClean="0"/>
+              <a:rPr lang="en-US"/>
               <a:t>Fourth level</a:t>
             </a:r>
           </a:p>
           <a:p>
             <a:pPr lvl="4"/>
             <a:r>
-              <a:rPr lang="en-US" smtClean="0"/>
+              <a:rPr lang="en-US"/>
               <a:t>Fifth level</a:t>
             </a:r>
-            <a:endParaRPr lang="en-US"/>
           </a:p>
         </p:txBody>
       </p:sp>
@@ -12414,7 +12171,7 @@
           <a:p>
             <a:fld id="{ED1B6996-82E9-463C-972C-7B56056E426C}" type="datetime1">
               <a:rPr lang="en-US" smtClean="0"/>
-              <a:t>8/5/2015</a:t>
+              <a:t>7/26/2017</a:t>
             </a:fld>
             <a:endParaRPr lang="en-US"/>
           </a:p>
@@ -12512,10 +12269,9 @@
           </a:lstStyle>
           <a:p>
             <a:r>
-              <a:rPr lang="en-US" smtClean="0"/>
+              <a:rPr lang="en-US"/>
               <a:t>Click to edit Master title style</a:t>
             </a:r>
-            <a:endParaRPr lang="en-US"/>
           </a:p>
         </p:txBody>
       </p:sp>
@@ -12578,7 +12334,7 @@
           <a:p>
             <a:pPr lvl="0"/>
             <a:r>
-              <a:rPr lang="en-US" smtClean="0"/>
+              <a:rPr lang="en-US"/>
               <a:t>Click to edit Master text styles</a:t>
             </a:r>
           </a:p>
@@ -12634,38 +12390,37 @@
           <a:p>
             <a:pPr lvl="0"/>
             <a:r>
-              <a:rPr lang="en-US" smtClean="0"/>
+              <a:rPr lang="en-US"/>
               <a:t>Click to edit Master text styles</a:t>
             </a:r>
           </a:p>
           <a:p>
             <a:pPr lvl="1"/>
             <a:r>
-              <a:rPr lang="en-US" smtClean="0"/>
+              <a:rPr lang="en-US"/>
               <a:t>Second level</a:t>
             </a:r>
           </a:p>
           <a:p>
             <a:pPr lvl="2"/>
             <a:r>
-              <a:rPr lang="en-US" smtClean="0"/>
+              <a:rPr lang="en-US"/>
               <a:t>Third level</a:t>
             </a:r>
           </a:p>
           <a:p>
             <a:pPr lvl="3"/>
             <a:r>
-              <a:rPr lang="en-US" smtClean="0"/>
+              <a:rPr lang="en-US"/>
               <a:t>Fourth level</a:t>
             </a:r>
           </a:p>
           <a:p>
             <a:pPr lvl="4"/>
             <a:r>
-              <a:rPr lang="en-US" smtClean="0"/>
+              <a:rPr lang="en-US"/>
               <a:t>Fifth level</a:t>
             </a:r>
-            <a:endParaRPr lang="en-US"/>
           </a:p>
         </p:txBody>
       </p:sp>
@@ -12728,7 +12483,7 @@
           <a:p>
             <a:pPr lvl="0"/>
             <a:r>
-              <a:rPr lang="en-US" smtClean="0"/>
+              <a:rPr lang="en-US"/>
               <a:t>Click to edit Master text styles</a:t>
             </a:r>
           </a:p>
@@ -12784,38 +12539,37 @@
           <a:p>
             <a:pPr lvl="0"/>
             <a:r>
-              <a:rPr lang="en-US" smtClean="0"/>
+              <a:rPr lang="en-US"/>
               <a:t>Click to edit Master text styles</a:t>
             </a:r>
           </a:p>
           <a:p>
             <a:pPr lvl="1"/>
             <a:r>
-              <a:rPr lang="en-US" smtClean="0"/>
+              <a:rPr lang="en-US"/>
               <a:t>Second level</a:t>
             </a:r>
           </a:p>
           <a:p>
             <a:pPr lvl="2"/>
             <a:r>
-              <a:rPr lang="en-US" smtClean="0"/>
+              <a:rPr lang="en-US"/>
               <a:t>Third level</a:t>
             </a:r>
           </a:p>
           <a:p>
             <a:pPr lvl="3"/>
             <a:r>
-              <a:rPr lang="en-US" smtClean="0"/>
+              <a:rPr lang="en-US"/>
               <a:t>Fourth level</a:t>
             </a:r>
           </a:p>
           <a:p>
             <a:pPr lvl="4"/>
             <a:r>
-              <a:rPr lang="en-US" smtClean="0"/>
+              <a:rPr lang="en-US"/>
               <a:t>Fifth level</a:t>
             </a:r>
-            <a:endParaRPr lang="en-US"/>
           </a:p>
         </p:txBody>
       </p:sp>
@@ -12836,7 +12590,7 @@
           <a:p>
             <a:fld id="{685DD83D-C4CF-495E-9FC1-2084AE8726D8}" type="datetime1">
               <a:rPr lang="en-US" smtClean="0"/>
-              <a:t>8/5/2015</a:t>
+              <a:t>7/26/2017</a:t>
             </a:fld>
             <a:endParaRPr lang="en-US"/>
           </a:p>
@@ -12930,10 +12684,9 @@
           <a:lstStyle/>
           <a:p>
             <a:r>
-              <a:rPr lang="en-US" smtClean="0"/>
+              <a:rPr lang="en-US"/>
               <a:t>Click to edit Master title style</a:t>
             </a:r>
-            <a:endParaRPr lang="en-US"/>
           </a:p>
         </p:txBody>
       </p:sp>
@@ -12954,7 +12707,7 @@
           <a:p>
             <a:fld id="{F25B5022-9AA9-479B-A496-09AEE98AD09E}" type="datetime1">
               <a:rPr lang="en-US" smtClean="0"/>
-              <a:t>8/5/2015</a:t>
+              <a:t>7/26/2017</a:t>
             </a:fld>
             <a:endParaRPr lang="en-US"/>
           </a:p>
@@ -13012,13 +12765,6 @@
   <p:clrMapOvr>
     <a:masterClrMapping/>
   </p:clrMapOvr>
-  <p:timing>
-    <p:tnLst>
-      <p:par>
-        <p:cTn id="1" dur="indefinite" restart="never" nodeType="tmRoot"/>
-      </p:par>
-    </p:tnLst>
-  </p:timing>
 </p:sldLayout>
 </file>
 
@@ -13056,7 +12802,7 @@
           <a:p>
             <a:fld id="{5B12E4FC-F213-4049-AB12-DD6367C4C28E}" type="datetime1">
               <a:rPr lang="en-US" smtClean="0"/>
-              <a:t>8/5/2015</a:t>
+              <a:t>7/26/2017</a:t>
             </a:fld>
             <a:endParaRPr lang="en-US"/>
           </a:p>
@@ -13159,10 +12905,9 @@
           </a:lstStyle>
           <a:p>
             <a:r>
-              <a:rPr lang="en-US" smtClean="0"/>
+              <a:rPr lang="en-US"/>
               <a:t>Click to edit Master title style</a:t>
             </a:r>
-            <a:endParaRPr lang="en-US"/>
           </a:p>
         </p:txBody>
       </p:sp>
@@ -13216,38 +12961,37 @@
           <a:p>
             <a:pPr lvl="0"/>
             <a:r>
-              <a:rPr lang="en-US" smtClean="0"/>
+              <a:rPr lang="en-US"/>
               <a:t>Click to edit Master text styles</a:t>
             </a:r>
           </a:p>
           <a:p>
             <a:pPr lvl="1"/>
             <a:r>
-              <a:rPr lang="en-US" smtClean="0"/>
+              <a:rPr lang="en-US"/>
               <a:t>Second level</a:t>
             </a:r>
           </a:p>
           <a:p>
             <a:pPr lvl="2"/>
             <a:r>
-              <a:rPr lang="en-US" smtClean="0"/>
+              <a:rPr lang="en-US"/>
               <a:t>Third level</a:t>
             </a:r>
           </a:p>
           <a:p>
             <a:pPr lvl="3"/>
             <a:r>
-              <a:rPr lang="en-US" smtClean="0"/>
+              <a:rPr lang="en-US"/>
               <a:t>Fourth level</a:t>
             </a:r>
           </a:p>
           <a:p>
             <a:pPr lvl="4"/>
             <a:r>
-              <a:rPr lang="en-US" smtClean="0"/>
+              <a:rPr lang="en-US"/>
               <a:t>Fifth level</a:t>
             </a:r>
-            <a:endParaRPr lang="en-US"/>
           </a:p>
         </p:txBody>
       </p:sp>
@@ -13310,7 +13054,7 @@
           <a:p>
             <a:pPr lvl="0"/>
             <a:r>
-              <a:rPr lang="en-US" smtClean="0"/>
+              <a:rPr lang="en-US"/>
               <a:t>Click to edit Master text styles</a:t>
             </a:r>
           </a:p>
@@ -13333,7 +13077,7 @@
           <a:p>
             <a:fld id="{C042F87B-489A-44DD-B219-B76E9883157F}" type="datetime1">
               <a:rPr lang="en-US" smtClean="0"/>
-              <a:t>8/5/2015</a:t>
+              <a:t>7/26/2017</a:t>
             </a:fld>
             <a:endParaRPr lang="en-US"/>
           </a:p>
@@ -13454,10 +13198,9 @@
           <a:lstStyle/>
           <a:p>
             <a:r>
-              <a:rPr lang="en-US" smtClean="0"/>
+              <a:rPr lang="en-US"/>
               <a:t>Click to edit Master title style</a:t>
             </a:r>
-            <a:endParaRPr lang="en-US"/>
           </a:p>
         </p:txBody>
       </p:sp>
@@ -13488,38 +13231,37 @@
           <a:p>
             <a:pPr lvl="0"/>
             <a:r>
-              <a:rPr lang="en-US" smtClean="0"/>
+              <a:rPr lang="en-US"/>
               <a:t>Click to edit Master text styles</a:t>
             </a:r>
           </a:p>
           <a:p>
             <a:pPr lvl="1"/>
             <a:r>
-              <a:rPr lang="en-US" smtClean="0"/>
+              <a:rPr lang="en-US"/>
               <a:t>Second level</a:t>
             </a:r>
           </a:p>
           <a:p>
             <a:pPr lvl="2"/>
             <a:r>
-              <a:rPr lang="en-US" smtClean="0"/>
+              <a:rPr lang="en-US"/>
               <a:t>Third level</a:t>
             </a:r>
           </a:p>
           <a:p>
             <a:pPr lvl="3"/>
             <a:r>
-              <a:rPr lang="en-US" smtClean="0"/>
+              <a:rPr lang="en-US"/>
               <a:t>Fourth level</a:t>
             </a:r>
           </a:p>
           <a:p>
             <a:pPr lvl="4"/>
             <a:r>
-              <a:rPr lang="en-US" smtClean="0"/>
+              <a:rPr lang="en-US"/>
               <a:t>Fifth level</a:t>
             </a:r>
-            <a:endParaRPr lang="en-US"/>
           </a:p>
         </p:txBody>
       </p:sp>
@@ -13558,7 +13300,7 @@
           <a:p>
             <a:fld id="{98C0E4FB-2B0D-4D13-9C4B-412A8A8591B4}" type="datetime1">
               <a:rPr lang="en-US" smtClean="0"/>
-              <a:t>8/5/2015</a:t>
+              <a:t>7/26/2017</a:t>
             </a:fld>
             <a:endParaRPr lang="en-US"/>
           </a:p>
@@ -13664,13 +13406,6 @@
     <p:sldLayoutId id="2147483658" r:id="rId11"/>
     <p:sldLayoutId id="2147483659" r:id="rId12"/>
   </p:sldLayoutIdLst>
-  <p:timing>
-    <p:tnLst>
-      <p:par>
-        <p:cTn id="1" dur="indefinite" restart="never" nodeType="tmRoot"/>
-      </p:par>
-    </p:tnLst>
-  </p:timing>
   <p:hf hdr="0" ftr="0" dt="0"/>
   <p:txStyles>
     <p:titleStyle>
@@ -13985,10 +13720,9 @@
           <a:lstStyle/>
           <a:p>
             <a:r>
-              <a:rPr lang="en-US" smtClean="0"/>
+              <a:rPr lang="en-US"/>
               <a:t>Click to edit Master title style</a:t>
             </a:r>
-            <a:endParaRPr lang="en-US"/>
           </a:p>
         </p:txBody>
       </p:sp>
@@ -14019,38 +13753,37 @@
           <a:p>
             <a:pPr lvl="0"/>
             <a:r>
-              <a:rPr lang="en-US" smtClean="0"/>
+              <a:rPr lang="en-US"/>
               <a:t>Click to edit Master text styles</a:t>
             </a:r>
           </a:p>
           <a:p>
             <a:pPr lvl="1"/>
             <a:r>
-              <a:rPr lang="en-US" smtClean="0"/>
+              <a:rPr lang="en-US"/>
               <a:t>Second level</a:t>
             </a:r>
           </a:p>
           <a:p>
             <a:pPr lvl="2"/>
             <a:r>
-              <a:rPr lang="en-US" smtClean="0"/>
+              <a:rPr lang="en-US"/>
               <a:t>Third level</a:t>
             </a:r>
           </a:p>
           <a:p>
             <a:pPr lvl="3"/>
             <a:r>
-              <a:rPr lang="en-US" smtClean="0"/>
+              <a:rPr lang="en-US"/>
               <a:t>Fourth level</a:t>
             </a:r>
           </a:p>
           <a:p>
             <a:pPr lvl="4"/>
             <a:r>
-              <a:rPr lang="en-US" smtClean="0"/>
+              <a:rPr lang="en-US"/>
               <a:t>Fifth level</a:t>
             </a:r>
-            <a:endParaRPr lang="en-US"/>
           </a:p>
         </p:txBody>
       </p:sp>
@@ -14096,7 +13829,7 @@
                 </a:solidFill>
               </a:rPr>
               <a:pPr/>
-              <a:t>8/5/2015</a:t>
+              <a:t>7/26/2017</a:t>
             </a:fld>
             <a:endParaRPr lang="en-US">
               <a:solidFill>
@@ -14229,13 +13962,6 @@
     <p:sldLayoutId id="2147483708" r:id="rId13"/>
     <p:sldLayoutId id="2147483709" r:id="rId14"/>
   </p:sldLayoutIdLst>
-  <p:timing>
-    <p:tnLst>
-      <p:par>
-        <p:cTn id="1" dur="indefinite" restart="never" nodeType="tmRoot"/>
-      </p:par>
-    </p:tnLst>
-  </p:timing>
   <p:hf hdr="0" ftr="0" dt="0"/>
   <p:txStyles>
     <p:titleStyle>
@@ -14550,10 +14276,9 @@
           <a:lstStyle/>
           <a:p>
             <a:r>
-              <a:rPr lang="en-US" smtClean="0"/>
+              <a:rPr lang="en-US"/>
               <a:t>Click to edit Master title style</a:t>
             </a:r>
-            <a:endParaRPr lang="en-US"/>
           </a:p>
         </p:txBody>
       </p:sp>
@@ -14584,38 +14309,37 @@
           <a:p>
             <a:pPr lvl="0"/>
             <a:r>
-              <a:rPr lang="en-US" smtClean="0"/>
+              <a:rPr lang="en-US"/>
               <a:t>Click to edit Master text styles</a:t>
             </a:r>
           </a:p>
           <a:p>
             <a:pPr lvl="1"/>
             <a:r>
-              <a:rPr lang="en-US" smtClean="0"/>
+              <a:rPr lang="en-US"/>
               <a:t>Second level</a:t>
             </a:r>
           </a:p>
           <a:p>
             <a:pPr lvl="2"/>
             <a:r>
-              <a:rPr lang="en-US" smtClean="0"/>
+              <a:rPr lang="en-US"/>
               <a:t>Third level</a:t>
             </a:r>
           </a:p>
           <a:p>
             <a:pPr lvl="3"/>
             <a:r>
-              <a:rPr lang="en-US" smtClean="0"/>
+              <a:rPr lang="en-US"/>
               <a:t>Fourth level</a:t>
             </a:r>
           </a:p>
           <a:p>
             <a:pPr lvl="4"/>
             <a:r>
-              <a:rPr lang="en-US" smtClean="0"/>
+              <a:rPr lang="en-US"/>
               <a:t>Fifth level</a:t>
             </a:r>
-            <a:endParaRPr lang="en-US"/>
           </a:p>
         </p:txBody>
       </p:sp>
@@ -14654,7 +14378,7 @@
           <a:p>
             <a:fld id="{02B3F677-983B-48DB-ADFD-63FE6CBC7FB2}" type="datetime1">
               <a:rPr lang="en-US" smtClean="0"/>
-              <a:t>8/5/2015</a:t>
+              <a:t>7/26/2017</a:t>
             </a:fld>
             <a:endParaRPr lang="en-US"/>
           </a:p>
@@ -14762,13 +14486,6 @@
     <p:sldLayoutId id="2147483693" r:id="rId13"/>
     <p:sldLayoutId id="2147483694" r:id="rId14"/>
   </p:sldLayoutIdLst>
-  <p:timing>
-    <p:tnLst>
-      <p:par>
-        <p:cTn id="1" dur="indefinite" restart="never" nodeType="tmRoot"/>
-      </p:par>
-    </p:tnLst>
-  </p:timing>
   <p:hf hdr="0" ftr="0" dt="0"/>
   <p:txStyles>
     <p:titleStyle>
@@ -15083,10 +14800,9 @@
           <a:lstStyle/>
           <a:p>
             <a:r>
-              <a:rPr lang="en-US" smtClean="0"/>
+              <a:rPr lang="en-US"/>
               <a:t>Click to edit Master title style</a:t>
             </a:r>
-            <a:endParaRPr lang="en-US"/>
           </a:p>
         </p:txBody>
       </p:sp>
@@ -15117,38 +14833,37 @@
           <a:p>
             <a:pPr lvl="0"/>
             <a:r>
-              <a:rPr lang="en-US" smtClean="0"/>
+              <a:rPr lang="en-US"/>
               <a:t>Click to edit Master text styles</a:t>
             </a:r>
           </a:p>
           <a:p>
             <a:pPr lvl="1"/>
             <a:r>
-              <a:rPr lang="en-US" smtClean="0"/>
+              <a:rPr lang="en-US"/>
               <a:t>Second level</a:t>
             </a:r>
           </a:p>
           <a:p>
             <a:pPr lvl="2"/>
             <a:r>
-              <a:rPr lang="en-US" smtClean="0"/>
+              <a:rPr lang="en-US"/>
               <a:t>Third level</a:t>
             </a:r>
           </a:p>
           <a:p>
             <a:pPr lvl="3"/>
             <a:r>
-              <a:rPr lang="en-US" smtClean="0"/>
+              <a:rPr lang="en-US"/>
               <a:t>Fourth level</a:t>
             </a:r>
           </a:p>
           <a:p>
             <a:pPr lvl="4"/>
             <a:r>
-              <a:rPr lang="en-US" smtClean="0"/>
+              <a:rPr lang="en-US"/>
               <a:t>Fifth level</a:t>
             </a:r>
-            <a:endParaRPr lang="en-US"/>
           </a:p>
         </p:txBody>
       </p:sp>
@@ -15187,7 +14902,7 @@
           <a:p>
             <a:fld id="{02B3F677-983B-48DB-ADFD-63FE6CBC7FB2}" type="datetime1">
               <a:rPr lang="en-US" smtClean="0"/>
-              <a:t>8/5/2015</a:t>
+              <a:t>7/26/2017</a:t>
             </a:fld>
             <a:endParaRPr lang="en-US"/>
           </a:p>
@@ -15295,13 +15010,6 @@
     <p:sldLayoutId id="2147483678" r:id="rId13"/>
     <p:sldLayoutId id="2147483679" r:id="rId14"/>
   </p:sldLayoutIdLst>
-  <p:timing>
-    <p:tnLst>
-      <p:par>
-        <p:cTn id="1" dur="indefinite" restart="never" nodeType="tmRoot"/>
-      </p:par>
-    </p:tnLst>
-  </p:timing>
   <p:hf hdr="0" ftr="0" dt="0"/>
   <p:txStyles>
     <p:titleStyle>
@@ -15589,10 +15297,9 @@
           <a:lstStyle/>
           <a:p>
             <a:r>
-              <a:rPr lang="en-US" dirty="0" smtClean="0"/>
+              <a:rPr lang="en-US" dirty="0"/>
               <a:t>Reviewing your Program</a:t>
             </a:r>
-            <a:endParaRPr lang="en-US" dirty="0"/>
           </a:p>
         </p:txBody>
       </p:sp>
@@ -15627,13 +15334,8 @@
           <a:p>
             <a:r>
               <a:rPr lang="en-US" dirty="0"/>
-              <a:t>Lesson </a:t>
-            </a:r>
-            <a:r>
-              <a:rPr lang="en-US" dirty="0" smtClean="0"/>
-              <a:t>2.5</a:t>
-            </a:r>
-            <a:endParaRPr lang="en-US" dirty="0"/>
+              <a:t>Lesson 2.5</a:t>
+            </a:r>
           </a:p>
           <a:p>
             <a:endParaRPr lang="en-US" dirty="0"/>
@@ -15708,27 +15410,13 @@
             <a:p>
               <a:r>
                 <a:rPr lang="en-US" sz="1000" dirty="0"/>
-                <a:t>© Mitchell Wand, </a:t>
-              </a:r>
-              <a:r>
-                <a:rPr lang="en-US" sz="1000" dirty="0" smtClean="0"/>
-                <a:t>2012-2014</a:t>
+                <a:t>© Mitchell Wand, 2012-2014</a:t>
               </a:r>
             </a:p>
             <a:p>
               <a:r>
-                <a:rPr lang="en-US" sz="1000" dirty="0" smtClean="0"/>
+                <a:rPr lang="en-US" sz="1000" dirty="0"/>
                 <a:t>This work is licensed under a </a:t>
-              </a:r>
-              <a:r>
-                <a:rPr lang="en-US" altLang="en-US" sz="1000" dirty="0" smtClean="0">
-                  <a:solidFill>
-                    <a:srgbClr val="4374B7"/>
-                  </a:solidFill>
-                  <a:latin typeface="Helvetica Neue"/>
-                  <a:hlinkClick r:id="rId4"/>
-                </a:rPr>
-                <a:t>Creative </a:t>
               </a:r>
               <a:r>
                 <a:rPr lang="en-US" altLang="en-US" sz="1000" dirty="0">
@@ -15738,7 +15426,7 @@
                   <a:latin typeface="Helvetica Neue"/>
                   <a:hlinkClick r:id="rId4"/>
                 </a:rPr>
-                <a:t>Commons Attribution-</a:t>
+                <a:t>Creative Commons Attribution-</a:t>
               </a:r>
               <a:r>
                 <a:rPr lang="en-US" altLang="en-US" sz="1000" dirty="0" err="1">
@@ -15761,10 +15449,9 @@
                 <a:t> 4.0 International License</a:t>
               </a:r>
               <a:r>
-                <a:rPr lang="en-US" sz="1000" dirty="0" smtClean="0"/>
+                <a:rPr lang="en-US" sz="1000" dirty="0"/>
                 <a:t>.</a:t>
               </a:r>
-              <a:endParaRPr lang="en-US" sz="1000" dirty="0"/>
             </a:p>
           </p:txBody>
         </p:sp>
@@ -15802,13 +15489,6 @@
   <p:clrMapOvr>
     <a:masterClrMapping/>
   </p:clrMapOvr>
-  <p:timing>
-    <p:tnLst>
-      <p:par>
-        <p:cTn id="1" dur="indefinite" restart="never" nodeType="tmRoot"/>
-      </p:par>
-    </p:tnLst>
-  </p:timing>
 </p:sld>
 </file>
 
@@ -15845,10 +15525,9 @@
           <a:lstStyle/>
           <a:p>
             <a:r>
-              <a:rPr lang="en-US" dirty="0" smtClean="0"/>
+              <a:rPr lang="en-US" dirty="0"/>
               <a:t>Spelling Counts</a:t>
             </a:r>
-            <a:endParaRPr lang="en-US" dirty="0"/>
           </a:p>
         </p:txBody>
       </p:sp>
@@ -15868,25 +15547,25 @@
           <a:lstStyle/>
           <a:p>
             <a:r>
-              <a:rPr lang="en-US" dirty="0" smtClean="0"/>
+              <a:rPr lang="en-US" dirty="0"/>
               <a:t>Spelling Counts. Always.  Everywhere.</a:t>
             </a:r>
           </a:p>
           <a:p>
             <a:r>
-              <a:rPr lang="en-US" dirty="0" smtClean="0"/>
+              <a:rPr lang="en-US" dirty="0"/>
               <a:t>Spelling errors show a lack of professionalism.</a:t>
             </a:r>
           </a:p>
           <a:p>
             <a:r>
-              <a:rPr lang="en-US" dirty="0" smtClean="0"/>
+              <a:rPr lang="en-US" dirty="0"/>
               <a:t>They tell the reader that you are SLOPPY and you DON'T CARE.</a:t>
             </a:r>
           </a:p>
           <a:p>
             <a:r>
-              <a:rPr lang="en-US" dirty="0" smtClean="0"/>
+              <a:rPr lang="en-US" dirty="0"/>
               <a:t>If you have a spelling error in your resume or cover letter, you will NOT get the job.</a:t>
             </a:r>
           </a:p>
@@ -15966,10 +15645,9 @@
           <a:lstStyle/>
           <a:p>
             <a:r>
-              <a:rPr lang="en-US" dirty="0" smtClean="0"/>
+              <a:rPr lang="en-US" dirty="0"/>
               <a:t>Reviewing your purpose statements (cont'd)</a:t>
             </a:r>
-            <a:endParaRPr lang="en-US" dirty="0"/>
           </a:p>
         </p:txBody>
       </p:sp>
@@ -15991,39 +15669,39 @@
           <a:lstStyle/>
           <a:p>
             <a:r>
-              <a:rPr lang="en-US" dirty="0" smtClean="0"/>
+              <a:rPr lang="en-US" dirty="0"/>
               <a:t>Check your purpose statements for spelling.</a:t>
             </a:r>
           </a:p>
           <a:p>
             <a:r>
-              <a:rPr lang="en-US" dirty="0" smtClean="0"/>
+              <a:rPr lang="en-US" dirty="0"/>
               <a:t>Make sure you are consistent and correct about English singular and plural.</a:t>
             </a:r>
           </a:p>
           <a:p>
             <a:r>
-              <a:rPr lang="en-US" dirty="0" smtClean="0"/>
+              <a:rPr lang="en-US" dirty="0"/>
               <a:t>Try to use English articles, like "a" and "the", correctly.</a:t>
             </a:r>
           </a:p>
           <a:p>
             <a:pPr lvl="1"/>
             <a:r>
-              <a:rPr lang="en-US" dirty="0" smtClean="0"/>
+              <a:rPr lang="en-US" dirty="0"/>
               <a:t>this may be difficult if your first language does not have these.</a:t>
             </a:r>
           </a:p>
           <a:p>
             <a:r>
-              <a:rPr lang="en-US" dirty="0" smtClean="0"/>
+              <a:rPr lang="en-US" dirty="0"/>
               <a:t>If English is not your first language, go find the best English-speaker you know and get help.</a:t>
             </a:r>
           </a:p>
           <a:p>
             <a:pPr lvl="1"/>
             <a:r>
-              <a:rPr lang="en-US" dirty="0" smtClean="0"/>
+              <a:rPr lang="en-US" dirty="0"/>
               <a:t>We are officially allowing this.</a:t>
             </a:r>
           </a:p>
@@ -16100,10 +15778,9 @@
           <a:lstStyle/>
           <a:p>
             <a:r>
-              <a:rPr lang="en-US" dirty="0" smtClean="0"/>
+              <a:rPr lang="en-US" dirty="0"/>
               <a:t>The same things hold for data definitions</a:t>
             </a:r>
-            <a:endParaRPr lang="en-US" dirty="0"/>
           </a:p>
         </p:txBody>
       </p:sp>
@@ -16123,29 +15800,28 @@
           <a:lstStyle/>
           <a:p>
             <a:r>
-              <a:rPr lang="en-US" dirty="0" smtClean="0"/>
+              <a:rPr lang="en-US" dirty="0"/>
               <a:t>Go back and review your data definitions, too.</a:t>
             </a:r>
           </a:p>
           <a:p>
             <a:r>
-              <a:rPr lang="en-US" dirty="0" smtClean="0"/>
+              <a:rPr lang="en-US" dirty="0"/>
               <a:t>Check over the English in your interpretations.</a:t>
             </a:r>
           </a:p>
           <a:p>
             <a:r>
-              <a:rPr lang="en-US" dirty="0" smtClean="0"/>
+              <a:rPr lang="en-US" dirty="0"/>
               <a:t>Check the other items that you were supposed to review—</a:t>
             </a:r>
           </a:p>
           <a:p>
             <a:pPr lvl="1"/>
             <a:r>
-              <a:rPr lang="en-US" dirty="0" smtClean="0"/>
+              <a:rPr lang="en-US" dirty="0"/>
               <a:t>Here's the recipe, from Lesson 1.6</a:t>
             </a:r>
-            <a:endParaRPr lang="en-US" dirty="0"/>
           </a:p>
         </p:txBody>
       </p:sp>
@@ -16228,7 +15904,13 @@
                 <a:tableStyleId>{5C22544A-7EE6-4342-B048-85BDC9FD1C3A}</a:tableStyleId>
               </a:tblPr>
               <a:tblGrid>
-                <a:gridCol w="8229600"/>
+                <a:gridCol w="8229600">
+                  <a:extLst>
+                    <a:ext uri="{9D8B030D-6E8A-4147-A177-3AD203B41FA5}">
+                      <a16:colId xmlns:a16="http://schemas.microsoft.com/office/drawing/2014/main" val="20000"/>
+                    </a:ext>
+                  </a:extLst>
+                </a:gridCol>
               </a:tblGrid>
               <a:tr h="370840">
                 <a:tc>
@@ -16238,14 +15920,18 @@
                     <a:p>
                       <a:pPr algn="ctr"/>
                       <a:r>
-                        <a:rPr lang="en-US" sz="3200" dirty="0" smtClean="0"/>
+                        <a:rPr lang="en-US" sz="3200" dirty="0"/>
                         <a:t>Reviewing a Data Design</a:t>
                       </a:r>
-                      <a:endParaRPr lang="en-US" sz="3200" dirty="0"/>
                     </a:p>
                   </a:txBody>
                   <a:tcPr/>
                 </a:tc>
+                <a:extLst>
+                  <a:ext uri="{0D108BD9-81ED-4DB2-BD59-A6C34878D82A}">
+                    <a16:rowId xmlns:a16="http://schemas.microsoft.com/office/drawing/2014/main" val="10000"/>
+                  </a:ext>
+                </a:extLst>
               </a:tr>
               <a:tr h="370840">
                 <a:tc>
@@ -16254,14 +15940,18 @@
                     <a:lstStyle/>
                     <a:p>
                       <a:r>
-                        <a:rPr lang="en-US" sz="3200" dirty="0" smtClean="0"/>
+                        <a:rPr lang="en-US" sz="3200" dirty="0"/>
                         <a:t>1. Is the interpretation clear and unambiguous?</a:t>
                       </a:r>
-                      <a:endParaRPr lang="en-US" sz="3200" dirty="0"/>
                     </a:p>
                   </a:txBody>
                   <a:tcPr/>
                 </a:tc>
+                <a:extLst>
+                  <a:ext uri="{0D108BD9-81ED-4DB2-BD59-A6C34878D82A}">
+                    <a16:rowId xmlns:a16="http://schemas.microsoft.com/office/drawing/2014/main" val="10001"/>
+                  </a:ext>
+                </a:extLst>
               </a:tr>
               <a:tr h="370840">
                 <a:tc>
@@ -16270,14 +15960,18 @@
                     <a:lstStyle/>
                     <a:p>
                       <a:r>
-                        <a:rPr lang="en-US" sz="3200" dirty="0" smtClean="0"/>
+                        <a:rPr lang="en-US" sz="3200" dirty="0"/>
                         <a:t>2. Can you represent all the information you need for your program?</a:t>
                       </a:r>
-                      <a:endParaRPr lang="en-US" sz="3200" dirty="0"/>
                     </a:p>
                   </a:txBody>
                   <a:tcPr/>
                 </a:tc>
+                <a:extLst>
+                  <a:ext uri="{0D108BD9-81ED-4DB2-BD59-A6C34878D82A}">
+                    <a16:rowId xmlns:a16="http://schemas.microsoft.com/office/drawing/2014/main" val="10002"/>
+                  </a:ext>
+                </a:extLst>
               </a:tr>
               <a:tr h="370840">
                 <a:tc>
@@ -16286,19 +15980,19 @@
                     <a:lstStyle/>
                     <a:p>
                       <a:r>
-                        <a:rPr lang="en-US" sz="3200" dirty="0" smtClean="0"/>
+                        <a:rPr lang="en-US" sz="3200" dirty="0"/>
                         <a:t>3. Do</a:t>
                       </a:r>
                       <a:r>
-                        <a:rPr lang="en-US" sz="3200" baseline="0" dirty="0" smtClean="0"/>
+                        <a:rPr lang="en-US" sz="3200" baseline="0" dirty="0"/>
                         <a:t> you </a:t>
                       </a:r>
                       <a:r>
-                        <a:rPr lang="en-US" sz="3200" i="1" baseline="0" dirty="0" smtClean="0"/>
+                        <a:rPr lang="en-US" sz="3200" i="1" baseline="0" dirty="0"/>
                         <a:t>need</a:t>
                       </a:r>
                       <a:r>
-                        <a:rPr lang="en-US" sz="3200" baseline="0" dirty="0" smtClean="0"/>
+                        <a:rPr lang="en-US" sz="3200" baseline="0" dirty="0"/>
                         <a:t> all of the data in your representation?</a:t>
                       </a:r>
                       <a:endParaRPr lang="en-US" sz="3200" dirty="0"/>
@@ -16306,6 +16000,11 @@
                   </a:txBody>
                   <a:tcPr/>
                 </a:tc>
+                <a:extLst>
+                  <a:ext uri="{0D108BD9-81ED-4DB2-BD59-A6C34878D82A}">
+                    <a16:rowId xmlns:a16="http://schemas.microsoft.com/office/drawing/2014/main" val="10003"/>
+                  </a:ext>
+                </a:extLst>
               </a:tr>
               <a:tr h="370840">
                 <a:tc>
@@ -16314,11 +16013,11 @@
                     <a:lstStyle/>
                     <a:p>
                       <a:r>
-                        <a:rPr lang="en-US" sz="3200" dirty="0" smtClean="0"/>
+                        <a:rPr lang="en-US" sz="3200" dirty="0"/>
                         <a:t>4.</a:t>
                       </a:r>
                       <a:r>
-                        <a:rPr lang="en-US" sz="3200" baseline="0" dirty="0" smtClean="0"/>
+                        <a:rPr lang="en-US" sz="3200" baseline="0" dirty="0"/>
                         <a:t> Does every combination of values make sense? If not, document the meaningful combinations with a WHERE clause.</a:t>
                       </a:r>
                       <a:endParaRPr lang="en-US" sz="3200" dirty="0"/>
@@ -16326,6 +16025,11 @@
                   </a:txBody>
                   <a:tcPr/>
                 </a:tc>
+                <a:extLst>
+                  <a:ext uri="{0D108BD9-81ED-4DB2-BD59-A6C34878D82A}">
+                    <a16:rowId xmlns:a16="http://schemas.microsoft.com/office/drawing/2014/main" val="10004"/>
+                  </a:ext>
+                </a:extLst>
               </a:tr>
             </a:tbl>
           </a:graphicData>
@@ -16365,13 +16069,6 @@
   <p:clrMapOvr>
     <a:masterClrMapping/>
   </p:clrMapOvr>
-  <p:timing>
-    <p:tnLst>
-      <p:par>
-        <p:cTn id="1" dur="indefinite" restart="never" nodeType="tmRoot"/>
-      </p:par>
-    </p:tnLst>
-  </p:timing>
 </p:sld>
 </file>
 
@@ -16415,18 +16112,9 @@
           <a:lstStyle/>
           <a:p>
             <a:r>
-              <a:rPr lang="en-US" dirty="0" smtClean="0"/>
-              <a:t>4. Are </a:t>
-            </a:r>
-            <a:r>
               <a:rPr lang="en-US" dirty="0"/>
-              <a:t>there ugly pieces of code that should be broken out into their own functions</a:t>
-            </a:r>
-            <a:r>
-              <a:rPr lang="en-US" dirty="0" smtClean="0"/>
-              <a:t>?</a:t>
-            </a:r>
-            <a:endParaRPr lang="en-US" dirty="0"/>
+              <a:t>4. Are there ugly pieces of code that should be broken out into their own functions?</a:t>
+            </a:r>
           </a:p>
         </p:txBody>
       </p:sp>
@@ -16451,22 +16139,21 @@
           <a:lstStyle/>
           <a:p>
             <a:r>
-              <a:rPr lang="en-US" dirty="0" smtClean="0"/>
+              <a:rPr lang="en-US" dirty="0"/>
               <a:t>Remember:  one function = one task</a:t>
             </a:r>
           </a:p>
           <a:p>
             <a:r>
-              <a:rPr lang="en-US" dirty="0" smtClean="0"/>
+              <a:rPr lang="en-US" dirty="0"/>
               <a:t>If there is complicated stuff in your function definition, replace it by a call to a help function.</a:t>
             </a:r>
           </a:p>
           <a:p>
             <a:r>
-              <a:rPr lang="en-US" dirty="0" smtClean="0"/>
+              <a:rPr lang="en-US" dirty="0"/>
               <a:t>That way you can document what that stuff is supposed to do, and test it.</a:t>
             </a:r>
-            <a:endParaRPr lang="en-US" dirty="0"/>
           </a:p>
         </p:txBody>
       </p:sp>
@@ -16546,18 +16233,9 @@
           <a:lstStyle/>
           <a:p>
             <a:r>
-              <a:rPr lang="en-US" dirty="0" smtClean="0"/>
-              <a:t>5. Are </a:t>
-            </a:r>
-            <a:r>
               <a:rPr lang="en-US" dirty="0"/>
-              <a:t>there pieces of code that are duplicated (or almost duplicated) and should be made into independent functions</a:t>
-            </a:r>
-            <a:r>
-              <a:rPr lang="en-US" dirty="0" smtClean="0"/>
-              <a:t>?</a:t>
-            </a:r>
-            <a:endParaRPr lang="en-US" dirty="0"/>
+              <a:t>5. Are there pieces of code that are duplicated (or almost duplicated) and should be made into independent functions?</a:t>
+            </a:r>
           </a:p>
         </p:txBody>
       </p:sp>
@@ -16584,22 +16262,21 @@
           <a:lstStyle/>
           <a:p>
             <a:r>
-              <a:rPr lang="en-US" dirty="0" smtClean="0"/>
+              <a:rPr lang="en-US" dirty="0"/>
               <a:t>We strive for no duplicated code.  </a:t>
             </a:r>
           </a:p>
           <a:p>
             <a:r>
-              <a:rPr lang="en-US" dirty="0" smtClean="0"/>
+              <a:rPr lang="en-US" dirty="0"/>
               <a:t>If there's a subtask that gets done several times, turn it into a function that you can document and test.</a:t>
             </a:r>
           </a:p>
           <a:p>
             <a:r>
-              <a:rPr lang="en-US" dirty="0" smtClean="0"/>
+              <a:rPr lang="en-US" dirty="0"/>
               <a:t>We'll have much more to say about this in coming weeks.</a:t>
             </a:r>
-            <a:endParaRPr lang="en-US" dirty="0"/>
           </a:p>
         </p:txBody>
       </p:sp>
@@ -16634,19 +16311,21 @@
         </p:nvSpPr>
         <p:spPr>
           <a:xfrm>
-            <a:off x="6858000" y="2420780"/>
+            <a:off x="6705600" y="2590800"/>
             <a:ext cx="1828800" cy="960119"/>
           </a:xfrm>
           <a:prstGeom prst="rect">
             <a:avLst/>
           </a:prstGeom>
           <a:solidFill>
-            <a:schemeClr val="accent3">
-              <a:lumMod val="40000"/>
-              <a:lumOff val="60000"/>
+            <a:schemeClr val="accent1">
+              <a:lumMod val="20000"/>
+              <a:lumOff val="80000"/>
             </a:schemeClr>
           </a:solidFill>
-          <a:ln/>
+          <a:ln>
+            <a:noFill/>
+          </a:ln>
         </p:spPr>
         <p:style>
           <a:lnRef idx="2">
@@ -16673,18 +16352,13 @@
           <a:p>
             <a:pPr algn="ctr"/>
             <a:r>
-              <a:rPr lang="en-US" dirty="0" smtClean="0">
+              <a:rPr lang="en-US" dirty="0">
                 <a:solidFill>
                   <a:schemeClr val="tx1"/>
                 </a:solidFill>
               </a:rPr>
               <a:t>Principle: "Don't Repeat Yourself"</a:t>
             </a:r>
-            <a:endParaRPr lang="en-US" dirty="0">
-              <a:solidFill>
-                <a:schemeClr val="tx1"/>
-              </a:solidFill>
-            </a:endParaRPr>
           </a:p>
         </p:txBody>
       </p:sp>
@@ -16734,63 +16408,62 @@
           <a:lstStyle/>
           <a:p>
             <a:r>
-              <a:rPr lang="en-US" dirty="0" smtClean="0"/>
+              <a:rPr lang="en-US" dirty="0"/>
               <a:t>Summary</a:t>
             </a:r>
+          </a:p>
+        </p:txBody>
+      </p:sp>
+      <p:sp>
+        <p:nvSpPr>
+          <p:cNvPr id="3" name="Content Placeholder 2"/>
+          <p:cNvSpPr>
+            <a:spLocks noGrp="1"/>
+          </p:cNvSpPr>
+          <p:nvPr>
+            <p:ph idx="1"/>
+          </p:nvPr>
+        </p:nvSpPr>
+        <p:spPr/>
+        <p:txBody>
+          <a:bodyPr/>
+          <a:lstStyle/>
+          <a:p>
+            <a:r>
+              <a:rPr lang="en-US" dirty="0"/>
+              <a:t>Our goal is to write not just working programs, but </a:t>
+            </a:r>
+            <a:r>
+              <a:rPr lang="en-US" i="1" dirty="0"/>
+              <a:t>beautiful</a:t>
+            </a:r>
+            <a:r>
+              <a:rPr lang="en-US" dirty="0"/>
+              <a:t> programs.</a:t>
+            </a:r>
+          </a:p>
+          <a:p>
+            <a:r>
+              <a:rPr lang="en-US" dirty="0"/>
+              <a:t>We've given you a list of things to check </a:t>
+            </a:r>
+            <a:r>
+              <a:rPr lang="en-US" i="1" dirty="0"/>
+              <a:t>before</a:t>
+            </a:r>
+            <a:r>
+              <a:rPr lang="en-US" dirty="0"/>
+              <a:t> you turn in your program.</a:t>
+            </a:r>
+          </a:p>
+          <a:p>
+            <a:r>
+              <a:rPr lang="en-US" dirty="0"/>
+              <a:t>Fixing these things will make your program more pleasant for the reader, whether that is your TA, your boss, or your successor at your job.</a:t>
+            </a:r>
+          </a:p>
+          <a:p>
             <a:endParaRPr lang="en-US" dirty="0"/>
-          </a:p>
-        </p:txBody>
-      </p:sp>
-      <p:sp>
-        <p:nvSpPr>
-          <p:cNvPr id="3" name="Content Placeholder 2"/>
-          <p:cNvSpPr>
-            <a:spLocks noGrp="1"/>
-          </p:cNvSpPr>
-          <p:nvPr>
-            <p:ph idx="1"/>
-          </p:nvPr>
-        </p:nvSpPr>
-        <p:spPr/>
-        <p:txBody>
-          <a:bodyPr/>
-          <a:lstStyle/>
-          <a:p>
-            <a:r>
-              <a:rPr lang="en-US" dirty="0" smtClean="0"/>
-              <a:t>Our goal is to write not just working programs, but </a:t>
-            </a:r>
-            <a:r>
-              <a:rPr lang="en-US" i="1" dirty="0" smtClean="0"/>
-              <a:t>beautiful</a:t>
-            </a:r>
-            <a:r>
-              <a:rPr lang="en-US" dirty="0" smtClean="0"/>
-              <a:t> programs.</a:t>
-            </a:r>
-          </a:p>
-          <a:p>
-            <a:r>
-              <a:rPr lang="en-US" dirty="0" smtClean="0"/>
-              <a:t>We've given you a list of things to check </a:t>
-            </a:r>
-            <a:r>
-              <a:rPr lang="en-US" i="1" dirty="0" smtClean="0"/>
-              <a:t>before</a:t>
-            </a:r>
-            <a:r>
-              <a:rPr lang="en-US" dirty="0" smtClean="0"/>
-              <a:t> you turn in your program.</a:t>
-            </a:r>
-          </a:p>
-          <a:p>
-            <a:r>
-              <a:rPr lang="en-US" dirty="0" smtClean="0"/>
-              <a:t>Fixing these things will make your program more pleasant for the reader, whether that is your TA, your boss, or your successor at your job.</a:t>
-            </a:r>
-          </a:p>
-          <a:p>
-            <a:endParaRPr lang="en-US" dirty="0" smtClean="0"/>
           </a:p>
           <a:p>
             <a:endParaRPr lang="en-US" dirty="0"/>
@@ -16830,13 +16503,6 @@
   <p:clrMapOvr>
     <a:masterClrMapping/>
   </p:clrMapOvr>
-  <p:timing>
-    <p:tnLst>
-      <p:par>
-        <p:cTn id="1" dur="indefinite" restart="never" nodeType="tmRoot"/>
-      </p:par>
-    </p:tnLst>
-  </p:timing>
 </p:sld>
 </file>
 
@@ -16873,10 +16539,9 @@
           <a:lstStyle/>
           <a:p>
             <a:r>
-              <a:rPr lang="en-US" dirty="0" smtClean="0"/>
+              <a:rPr lang="en-US" dirty="0"/>
               <a:t>Next Steps</a:t>
             </a:r>
-            <a:endParaRPr lang="en-US" dirty="0"/>
           </a:p>
         </p:txBody>
       </p:sp>
@@ -16896,16 +16561,15 @@
           <a:lstStyle/>
           <a:p>
             <a:r>
-              <a:rPr lang="en-US" dirty="0" smtClean="0"/>
+              <a:rPr lang="en-US" dirty="0"/>
               <a:t>If you have questions about this lesson, ask them on the Discussion Board</a:t>
             </a:r>
           </a:p>
           <a:p>
             <a:r>
-              <a:rPr lang="en-US" dirty="0" smtClean="0"/>
+              <a:rPr lang="en-US" dirty="0"/>
               <a:t>Go on to the next lesson</a:t>
             </a:r>
-            <a:endParaRPr lang="en-US" dirty="0"/>
           </a:p>
         </p:txBody>
       </p:sp>
@@ -16942,13 +16606,6 @@
   <p:clrMapOvr>
     <a:masterClrMapping/>
   </p:clrMapOvr>
-  <p:timing>
-    <p:tnLst>
-      <p:par>
-        <p:cTn id="1" dur="indefinite" restart="never" nodeType="tmRoot"/>
-      </p:par>
-    </p:tnLst>
-  </p:timing>
 </p:sld>
 </file>
 
@@ -16985,10 +16642,9 @@
           <a:lstStyle/>
           <a:p>
             <a:r>
-              <a:rPr lang="en-US" dirty="0" smtClean="0"/>
+              <a:rPr lang="en-US" dirty="0"/>
               <a:t>Introduction</a:t>
             </a:r>
-            <a:endParaRPr lang="en-US" dirty="0"/>
           </a:p>
         </p:txBody>
       </p:sp>
@@ -17010,36 +16666,35 @@
           <a:lstStyle/>
           <a:p>
             <a:r>
-              <a:rPr lang="en-US" dirty="0" smtClean="0"/>
+              <a:rPr lang="en-US" dirty="0"/>
               <a:t>A program is like an essay or term paper.</a:t>
             </a:r>
           </a:p>
           <a:p>
             <a:r>
-              <a:rPr lang="en-US" dirty="0" smtClean="0"/>
+              <a:rPr lang="en-US" dirty="0"/>
               <a:t>You wouldn't turn in a term paper without proofreading it for typos, checking for spelling, and generally making improvements.</a:t>
             </a:r>
           </a:p>
           <a:p>
             <a:r>
-              <a:rPr lang="en-US" dirty="0" smtClean="0"/>
+              <a:rPr lang="en-US" dirty="0"/>
               <a:t>So you shouldn't turn in your program without checking it over and seeing if it can be improved.</a:t>
             </a:r>
           </a:p>
           <a:p>
             <a:r>
-              <a:rPr lang="en-US" dirty="0" smtClean="0"/>
+              <a:rPr lang="en-US" dirty="0"/>
               <a:t>Our goal is to write </a:t>
             </a:r>
             <a:r>
-              <a:rPr lang="en-US" i="1" dirty="0" smtClean="0"/>
+              <a:rPr lang="en-US" i="1" dirty="0"/>
               <a:t>beautiful</a:t>
             </a:r>
             <a:r>
-              <a:rPr lang="en-US" dirty="0" smtClean="0"/>
+              <a:rPr lang="en-US" dirty="0"/>
               <a:t> programs– programs which are easily read and understood by others.</a:t>
             </a:r>
-            <a:endParaRPr lang="en-US" dirty="0"/>
           </a:p>
         </p:txBody>
       </p:sp>
@@ -17076,13 +16731,6 @@
   <p:clrMapOvr>
     <a:masterClrMapping/>
   </p:clrMapOvr>
-  <p:timing>
-    <p:tnLst>
-      <p:par>
-        <p:cTn id="1" dur="indefinite" restart="never" nodeType="tmRoot"/>
-      </p:par>
-    </p:tnLst>
-  </p:timing>
 </p:sld>
 </file>
 
@@ -17119,10 +16767,9 @@
           <a:lstStyle/>
           <a:p>
             <a:r>
-              <a:rPr lang="en-US" dirty="0" smtClean="0"/>
+              <a:rPr lang="en-US" dirty="0"/>
               <a:t>The Program Review Recipe</a:t>
             </a:r>
-            <a:endParaRPr lang="en-US" dirty="0"/>
           </a:p>
         </p:txBody>
       </p:sp>
@@ -17142,13 +16789,13 @@
           <a:lstStyle/>
           <a:p>
             <a:r>
-              <a:rPr lang="en-US" dirty="0" smtClean="0"/>
+              <a:rPr lang="en-US" dirty="0"/>
               <a:t>On the next slide is a list of things to check in your program.</a:t>
             </a:r>
           </a:p>
           <a:p>
             <a:r>
-              <a:rPr lang="en-US" dirty="0" smtClean="0"/>
+              <a:rPr lang="en-US" dirty="0"/>
               <a:t>Then we'll go through each of the items in more detail.</a:t>
             </a:r>
           </a:p>
@@ -17236,7 +16883,13 @@
                 <a:tableStyleId>{5C22544A-7EE6-4342-B048-85BDC9FD1C3A}</a:tableStyleId>
               </a:tblPr>
               <a:tblGrid>
-                <a:gridCol w="8229600"/>
+                <a:gridCol w="8229600">
+                  <a:extLst>
+                    <a:ext uri="{9D8B030D-6E8A-4147-A177-3AD203B41FA5}">
+                      <a16:colId xmlns:a16="http://schemas.microsoft.com/office/drawing/2014/main" val="20000"/>
+                    </a:ext>
+                  </a:extLst>
+                </a:gridCol>
               </a:tblGrid>
               <a:tr h="370840">
                 <a:tc>
@@ -17246,14 +16899,18 @@
                     <a:p>
                       <a:pPr algn="ctr"/>
                       <a:r>
-                        <a:rPr lang="en-US" sz="3200" dirty="0" smtClean="0"/>
+                        <a:rPr lang="en-US" sz="3200" dirty="0"/>
                         <a:t>The Program Review Recipe</a:t>
                       </a:r>
-                      <a:endParaRPr lang="en-US" sz="3200" dirty="0"/>
                     </a:p>
                   </a:txBody>
                   <a:tcPr/>
                 </a:tc>
+                <a:extLst>
+                  <a:ext uri="{0D108BD9-81ED-4DB2-BD59-A6C34878D82A}">
+                    <a16:rowId xmlns:a16="http://schemas.microsoft.com/office/drawing/2014/main" val="10000"/>
+                  </a:ext>
+                </a:extLst>
               </a:tr>
               <a:tr h="370840">
                 <a:tc>
@@ -17265,14 +16922,19 @@
                         <a:buNone/>
                       </a:pPr>
                       <a:r>
-                        <a:rPr lang="en-US" sz="3200" dirty="0" smtClean="0"/>
+                        <a:rPr lang="en-US" sz="3200" dirty="0"/>
                         <a:t>1. Do all the tests pass?</a:t>
                       </a:r>
-                      <a:endParaRPr lang="en-US" sz="3200" baseline="0" dirty="0" smtClean="0"/>
+                      <a:endParaRPr lang="en-US" sz="3200" baseline="0" dirty="0"/>
                     </a:p>
                   </a:txBody>
                   <a:tcPr/>
                 </a:tc>
+                <a:extLst>
+                  <a:ext uri="{0D108BD9-81ED-4DB2-BD59-A6C34878D82A}">
+                    <a16:rowId xmlns:a16="http://schemas.microsoft.com/office/drawing/2014/main" val="10001"/>
+                  </a:ext>
+                </a:extLst>
               </a:tr>
               <a:tr h="370840">
                 <a:tc>
@@ -17281,14 +16943,18 @@
                     <a:lstStyle/>
                     <a:p>
                       <a:r>
-                        <a:rPr lang="en-US" sz="3200" dirty="0" smtClean="0"/>
+                        <a:rPr lang="en-US" sz="3200" dirty="0"/>
                         <a:t>2. Are the contracts accurate?</a:t>
                       </a:r>
-                      <a:endParaRPr lang="en-US" sz="3200" dirty="0"/>
                     </a:p>
                   </a:txBody>
                   <a:tcPr/>
                 </a:tc>
+                <a:extLst>
+                  <a:ext uri="{0D108BD9-81ED-4DB2-BD59-A6C34878D82A}">
+                    <a16:rowId xmlns:a16="http://schemas.microsoft.com/office/drawing/2014/main" val="10002"/>
+                  </a:ext>
+                </a:extLst>
               </a:tr>
               <a:tr h="370840">
                 <a:tc>
@@ -17297,17 +16963,22 @@
                     <a:lstStyle/>
                     <a:p>
                       <a:r>
-                        <a:rPr lang="en-US" sz="3200" dirty="0" smtClean="0"/>
+                        <a:rPr lang="en-US" sz="3200" dirty="0"/>
                         <a:t>3. Are the</a:t>
                       </a:r>
                       <a:r>
-                        <a:rPr lang="en-US" sz="3200" baseline="0" dirty="0" smtClean="0"/>
+                        <a:rPr lang="en-US" sz="3200" baseline="0" dirty="0"/>
                         <a:t> purpose statements and interpretations clear and accurate?</a:t>
                       </a:r>
                     </a:p>
                   </a:txBody>
                   <a:tcPr/>
                 </a:tc>
+                <a:extLst>
+                  <a:ext uri="{0D108BD9-81ED-4DB2-BD59-A6C34878D82A}">
+                    <a16:rowId xmlns:a16="http://schemas.microsoft.com/office/drawing/2014/main" val="10003"/>
+                  </a:ext>
+                </a:extLst>
               </a:tr>
               <a:tr h="370840">
                 <a:tc>
@@ -17316,11 +16987,11 @@
                     <a:lstStyle/>
                     <a:p>
                       <a:r>
-                        <a:rPr lang="en-US" sz="3200" dirty="0" smtClean="0"/>
+                        <a:rPr lang="en-US" sz="3200" dirty="0"/>
                         <a:t>4. Are there ugly pieces of code that should be broken</a:t>
                       </a:r>
                       <a:r>
-                        <a:rPr lang="en-US" sz="3200" baseline="0" dirty="0" smtClean="0"/>
+                        <a:rPr lang="en-US" sz="3200" baseline="0" dirty="0"/>
                         <a:t> out into their own functions?</a:t>
                       </a:r>
                       <a:endParaRPr lang="en-US" sz="3200" dirty="0"/>
@@ -17328,6 +16999,11 @@
                   </a:txBody>
                   <a:tcPr/>
                 </a:tc>
+                <a:extLst>
+                  <a:ext uri="{0D108BD9-81ED-4DB2-BD59-A6C34878D82A}">
+                    <a16:rowId xmlns:a16="http://schemas.microsoft.com/office/drawing/2014/main" val="10004"/>
+                  </a:ext>
+                </a:extLst>
               </a:tr>
               <a:tr h="370840">
                 <a:tc>
@@ -17336,11 +17012,11 @@
                     <a:lstStyle/>
                     <a:p>
                       <a:r>
-                        <a:rPr lang="en-US" sz="3200" dirty="0" smtClean="0"/>
+                        <a:rPr lang="en-US" sz="3200" dirty="0"/>
                         <a:t>5. Are there pieces of code</a:t>
                       </a:r>
                       <a:r>
-                        <a:rPr lang="en-US" sz="3200" baseline="0" dirty="0" smtClean="0"/>
+                        <a:rPr lang="en-US" sz="3200" baseline="0" dirty="0"/>
                         <a:t> that are duplicated (or almost duplicated) and should be made into independent functions?</a:t>
                       </a:r>
                       <a:endParaRPr lang="en-US" sz="3200" dirty="0"/>
@@ -17348,6 +17024,11 @@
                   </a:txBody>
                   <a:tcPr/>
                 </a:tc>
+                <a:extLst>
+                  <a:ext uri="{0D108BD9-81ED-4DB2-BD59-A6C34878D82A}">
+                    <a16:rowId xmlns:a16="http://schemas.microsoft.com/office/drawing/2014/main" val="10005"/>
+                  </a:ext>
+                </a:extLst>
               </a:tr>
             </a:tbl>
           </a:graphicData>
@@ -17363,13 +17044,6 @@
   <p:clrMapOvr>
     <a:masterClrMapping/>
   </p:clrMapOvr>
-  <p:timing>
-    <p:tnLst>
-      <p:par>
-        <p:cTn id="1" dur="indefinite" restart="never" nodeType="tmRoot"/>
-      </p:par>
-    </p:tnLst>
-  </p:timing>
 </p:sld>
 </file>
 
@@ -17406,10 +17080,9 @@
           <a:lstStyle/>
           <a:p>
             <a:r>
-              <a:rPr lang="en-US" dirty="0" smtClean="0"/>
+              <a:rPr lang="en-US" dirty="0"/>
               <a:t>1. Do all the tests pass?</a:t>
             </a:r>
-            <a:endParaRPr lang="en-US" dirty="0"/>
           </a:p>
         </p:txBody>
       </p:sp>
@@ -17429,39 +17102,37 @@
           <a:lstStyle/>
           <a:p>
             <a:r>
-              <a:rPr lang="en-US" dirty="0" smtClean="0"/>
+              <a:rPr lang="en-US" dirty="0"/>
               <a:t>Of course you wouldn't turn in a program if some your tests failed, but...</a:t>
             </a:r>
           </a:p>
           <a:p>
             <a:pPr lvl="1"/>
             <a:r>
-              <a:rPr lang="en-US" dirty="0" smtClean="0"/>
+              <a:rPr lang="en-US" dirty="0"/>
               <a:t>Did you achieve 100% code coverage?</a:t>
             </a:r>
           </a:p>
           <a:p>
             <a:pPr lvl="1"/>
             <a:r>
-              <a:rPr lang="en-US" dirty="0" smtClean="0"/>
+              <a:rPr lang="en-US" dirty="0"/>
               <a:t>Are your tests readable?  </a:t>
             </a:r>
-            <a:endParaRPr lang="en-US" dirty="0"/>
           </a:p>
           <a:p>
             <a:pPr lvl="1"/>
             <a:r>
-              <a:rPr lang="en-US" dirty="0" smtClean="0"/>
+              <a:rPr lang="en-US" dirty="0"/>
               <a:t>Are there comments or error messages so that the TA will be able to see the purpose of each test?</a:t>
             </a:r>
           </a:p>
           <a:p>
             <a:pPr lvl="1"/>
             <a:r>
-              <a:rPr lang="en-US" dirty="0" smtClean="0"/>
+              <a:rPr lang="en-US" dirty="0"/>
               <a:t>Are the tests written so that the TA can easily see that each test actually tests what it claims to test?</a:t>
             </a:r>
-            <a:endParaRPr lang="en-US" dirty="0"/>
           </a:p>
         </p:txBody>
       </p:sp>
@@ -17534,10 +17205,9 @@
           <a:lstStyle/>
           <a:p>
             <a:r>
-              <a:rPr lang="en-US" dirty="0" smtClean="0"/>
+              <a:rPr lang="en-US" dirty="0"/>
               <a:t>2. Are the contracts accurate?</a:t>
             </a:r>
-            <a:endParaRPr lang="en-US" dirty="0"/>
           </a:p>
         </p:txBody>
       </p:sp>
@@ -17557,28 +17227,22 @@
           <a:lstStyle/>
           <a:p>
             <a:r>
-              <a:rPr lang="en-US" dirty="0" smtClean="0"/>
+              <a:rPr lang="en-US" dirty="0"/>
               <a:t>Are all the type names spelled correctly and consistently?</a:t>
             </a:r>
           </a:p>
           <a:p>
             <a:r>
-              <a:rPr lang="en-US" dirty="0" smtClean="0"/>
-              <a:t>Do the contract and function definition agree on the number and types of the arguments, and on the type of the </a:t>
-            </a:r>
-            <a:r>
-              <a:rPr lang="en-US" dirty="0" smtClean="0"/>
-              <a:t>result?</a:t>
-            </a:r>
-            <a:endParaRPr lang="en-US" dirty="0" smtClean="0"/>
+              <a:rPr lang="en-US" dirty="0"/>
+              <a:t>Do the contract and function definition agree on the number and types of the arguments, and on the type of the result?</a:t>
+            </a:r>
           </a:p>
           <a:p>
             <a:pPr lvl="1"/>
             <a:r>
-              <a:rPr lang="en-US" dirty="0" smtClean="0"/>
+              <a:rPr lang="en-US" dirty="0"/>
               <a:t>Maybe you discovered along the way that you had to change some of the arguments.  Make sure that you've changed the contract to match.</a:t>
             </a:r>
-            <a:endParaRPr lang="en-US" dirty="0"/>
           </a:p>
         </p:txBody>
       </p:sp>
@@ -17653,18 +17317,9 @@
           <a:lstStyle/>
           <a:p>
             <a:r>
-              <a:rPr lang="en-US" dirty="0" smtClean="0"/>
-              <a:t>3. Are </a:t>
-            </a:r>
-            <a:r>
               <a:rPr lang="en-US" dirty="0"/>
-              <a:t>the purpose statements clear and accurate</a:t>
-            </a:r>
-            <a:r>
-              <a:rPr lang="en-US" dirty="0" smtClean="0"/>
-              <a:t>?</a:t>
-            </a:r>
-            <a:endParaRPr lang="en-US" dirty="0"/>
+              <a:t>3. Are the purpose statements clear and accurate?</a:t>
+            </a:r>
           </a:p>
         </p:txBody>
       </p:sp>
@@ -17684,16 +17339,16 @@
           <a:lstStyle/>
           <a:p>
             <a:r>
-              <a:rPr lang="en-US" dirty="0" smtClean="0"/>
-              <a:t>Each purpose statement is a set </a:t>
-            </a:r>
-            <a:r>
               <a:rPr lang="en-US" dirty="0"/>
-              <a:t>of short noun phrases describing </a:t>
-            </a:r>
-            <a:r>
-              <a:rPr lang="en-US" i="1" dirty="0"/>
-              <a:t>what</a:t>
+              <a:t>Each purpose statement is a set of short noun phrases describing </a:t>
+            </a:r>
+            <a:r>
+              <a:rPr lang="en-US" i="1" dirty="0">
+                <a:solidFill>
+                  <a:schemeClr val="accent1"/>
+                </a:solidFill>
+              </a:rPr>
+              <a:t>what value</a:t>
             </a:r>
             <a:r>
               <a:rPr lang="en-US" dirty="0"/>
@@ -17703,25 +17358,16 @@
           <a:p>
             <a:pPr lvl="1"/>
             <a:r>
-              <a:rPr lang="en-US" dirty="0" smtClean="0"/>
-              <a:t>They </a:t>
-            </a:r>
-            <a:r>
               <a:rPr lang="en-US" dirty="0"/>
-              <a:t>generally take the form GIVEN/RETURNS, where each of these keywords is followed by a short noun phrase</a:t>
-            </a:r>
-            <a:r>
-              <a:rPr lang="en-US" dirty="0" smtClean="0"/>
-              <a:t>.</a:t>
+              <a:t>They generally take the form GIVEN/RETURNS, where each of these keywords is followed by a short noun phrase.</a:t>
             </a:r>
           </a:p>
           <a:p>
             <a:pPr lvl="1"/>
             <a:r>
-              <a:rPr lang="en-US" dirty="0" smtClean="0"/>
+              <a:rPr lang="en-US" dirty="0"/>
               <a:t>The RETURNS clause must at least mention every one of the function arguments.</a:t>
             </a:r>
-            <a:endParaRPr lang="en-US" dirty="0"/>
           </a:p>
           <a:p>
             <a:endParaRPr lang="en-US" dirty="0"/>
@@ -17799,10 +17445,9 @@
           <a:lstStyle/>
           <a:p>
             <a:r>
-              <a:rPr lang="en-US" dirty="0" smtClean="0"/>
+              <a:rPr lang="en-US" dirty="0"/>
               <a:t>Review: what makes a good purpose statement?</a:t>
             </a:r>
-            <a:endParaRPr lang="en-US" dirty="0"/>
           </a:p>
         </p:txBody>
       </p:sp>
@@ -17824,7 +17469,7 @@
           <a:lstStyle/>
           <a:p>
             <a:r>
-              <a:rPr lang="en-US" dirty="0" smtClean="0"/>
+              <a:rPr lang="en-US" dirty="0"/>
               <a:t>It gives more information than just the contract.  For example</a:t>
             </a:r>
           </a:p>
@@ -17833,7 +17478,7 @@
               <a:buNone/>
             </a:pPr>
             <a:r>
-              <a:rPr lang="en-US" sz="2000" b="1" dirty="0" smtClean="0">
+              <a:rPr lang="en-US" sz="2000" b="1" dirty="0">
                 <a:latin typeface="Consolas" pitchFamily="49" charset="0"/>
                 <a:cs typeface="Consolas" pitchFamily="49" charset="0"/>
               </a:rPr>
@@ -17845,7 +17490,7 @@
               <a:buNone/>
             </a:pPr>
             <a:r>
-              <a:rPr lang="en-US" sz="2000" b="1" dirty="0" smtClean="0">
+              <a:rPr lang="en-US" sz="2000" b="1" dirty="0">
                 <a:latin typeface="Consolas" pitchFamily="49" charset="0"/>
                 <a:cs typeface="Consolas" pitchFamily="49" charset="0"/>
               </a:rPr>
@@ -17857,7 +17502,7 @@
               <a:buNone/>
             </a:pPr>
             <a:r>
-              <a:rPr lang="en-US" dirty="0" smtClean="0">
+              <a:rPr lang="en-US" dirty="0">
                 <a:cs typeface="Consolas" pitchFamily="49" charset="0"/>
               </a:rPr>
               <a:t>is not a good purpose statement</a:t>
@@ -17866,19 +17511,19 @@
           <a:p>
             <a:pPr marL="457200" indent="-457200"/>
             <a:r>
-              <a:rPr lang="en-US" dirty="0" smtClean="0">
+              <a:rPr lang="en-US" dirty="0">
                 <a:cs typeface="Consolas" pitchFamily="49" charset="0"/>
               </a:rPr>
               <a:t>It is </a:t>
             </a:r>
             <a:r>
-              <a:rPr lang="en-US" i="1" dirty="0" smtClean="0">
+              <a:rPr lang="en-US" i="1" dirty="0">
                 <a:cs typeface="Consolas" pitchFamily="49" charset="0"/>
               </a:rPr>
               <a:t>specific. </a:t>
             </a:r>
             <a:r>
-              <a:rPr lang="en-US" dirty="0" smtClean="0">
+              <a:rPr lang="en-US" dirty="0">
                 <a:cs typeface="Consolas" pitchFamily="49" charset="0"/>
               </a:rPr>
               <a:t>Ideally, a reader should be able to figure out what a function returns just by reading the purpose statement</a:t>
@@ -17887,7 +17532,7 @@
           <a:p>
             <a:pPr marL="857250" lvl="1" indent="-457200"/>
             <a:r>
-              <a:rPr lang="en-US" dirty="0" smtClean="0">
+              <a:rPr lang="en-US" dirty="0">
                 <a:cs typeface="Consolas" pitchFamily="49" charset="0"/>
               </a:rPr>
               <a:t>perhaps along with examples, other documentation, etc.</a:t>
@@ -17896,14 +17541,11 @@
           <a:p>
             <a:pPr marL="857250" lvl="1" indent="-457200"/>
             <a:r>
-              <a:rPr lang="en-US" dirty="0" smtClean="0">
+              <a:rPr lang="en-US" dirty="0">
                 <a:cs typeface="Consolas" pitchFamily="49" charset="0"/>
               </a:rPr>
               <a:t>but WITHOUT reading the code!</a:t>
             </a:r>
-            <a:endParaRPr lang="en-US" dirty="0">
-              <a:cs typeface="Consolas" pitchFamily="49" charset="0"/>
-            </a:endParaRPr>
           </a:p>
         </p:txBody>
       </p:sp>
@@ -17917,13 +17559,6 @@
   <p:clrMapOvr>
     <a:masterClrMapping/>
   </p:clrMapOvr>
-  <p:timing>
-    <p:tnLst>
-      <p:par>
-        <p:cTn id="1" dur="indefinite" restart="never" nodeType="tmRoot"/>
-      </p:par>
-    </p:tnLst>
-  </p:timing>
 </p:sld>
 </file>
 
@@ -17962,10 +17597,9 @@
           <a:lstStyle/>
           <a:p>
             <a:r>
-              <a:rPr lang="en-US" dirty="0" smtClean="0"/>
+              <a:rPr lang="en-US" dirty="0"/>
               <a:t>Writing good purpose statements can be hard.</a:t>
             </a:r>
-            <a:endParaRPr lang="en-US" dirty="0"/>
           </a:p>
         </p:txBody>
       </p:sp>
@@ -17987,14 +17621,14 @@
           <a:lstStyle/>
           <a:p>
             <a:r>
-              <a:rPr lang="en-US" dirty="0" smtClean="0"/>
+              <a:rPr lang="en-US" dirty="0"/>
               <a:t>Sometimes the arguments are the components of some thing, rather than the thing itself.</a:t>
             </a:r>
           </a:p>
           <a:p>
             <a:pPr lvl="1"/>
             <a:r>
-              <a:rPr lang="en-US" dirty="0" smtClean="0"/>
+              <a:rPr lang="en-US" dirty="0"/>
               <a:t>Here's a useful example:</a:t>
             </a:r>
           </a:p>
@@ -18003,7 +17637,7 @@
               <a:buNone/>
             </a:pPr>
             <a:r>
-              <a:rPr lang="en-US" dirty="0" smtClean="0"/>
+              <a:rPr lang="en-US" dirty="0"/>
               <a:t>GIVEN: the x-coordinate, y-coordinate, and direction of some robot</a:t>
             </a:r>
           </a:p>
@@ -18012,21 +17646,21 @@
               <a:buNone/>
             </a:pPr>
             <a:r>
-              <a:rPr lang="en-US" dirty="0" smtClean="0"/>
+              <a:rPr lang="en-US" dirty="0"/>
               <a:t>RETURNS: the robot moved forward by 10 pixels.</a:t>
             </a:r>
           </a:p>
           <a:p>
             <a:pPr marL="971550" lvl="1" indent="-457200"/>
             <a:r>
-              <a:rPr lang="en-US" dirty="0" smtClean="0"/>
+              <a:rPr lang="en-US" dirty="0"/>
               <a:t>You may find this to be a good pattern in </a:t>
             </a:r>
             <a:r>
-              <a:rPr lang="en-US" smtClean="0"/>
+              <a:rPr lang="en-US"/>
               <a:t>many examples.</a:t>
             </a:r>
-            <a:endParaRPr lang="en-US" dirty="0" smtClean="0"/>
+            <a:endParaRPr lang="en-US" dirty="0"/>
           </a:p>
           <a:p>
             <a:pPr marL="914400" lvl="2" indent="0">
@@ -18034,13 +17668,8 @@
             </a:pPr>
             <a:r>
               <a:rPr lang="en-US" dirty="0"/>
-              <a:t>	</a:t>
-            </a:r>
-            <a:r>
-              <a:rPr lang="en-US" dirty="0" smtClean="0"/>
-              <a:t>	</a:t>
-            </a:r>
-            <a:endParaRPr lang="en-US" dirty="0"/>
+              <a:t>		</a:t>
+            </a:r>
           </a:p>
         </p:txBody>
       </p:sp>

--- a/Slides/Lesson 2.5 Program Review.pptx
+++ b/Slides/Lesson 2.5 Program Review.pptx
@@ -230,7 +230,7 @@
           <a:p>
             <a:fld id="{03B24962-D7B5-4FEA-ABE9-8C89DFE85AA1}" type="datetimeFigureOut">
               <a:rPr lang="en-US" smtClean="0"/>
-              <a:t>7/26/2017</a:t>
+              <a:t>8/11/2017</a:t>
             </a:fld>
             <a:endParaRPr lang="en-US"/>
           </a:p>
@@ -930,7 +930,7 @@
           <a:p>
             <a:fld id="{E08D5CC9-58C0-440F-A029-91C1D8B66E5C}" type="datetime1">
               <a:rPr lang="en-US" smtClean="0"/>
-              <a:t>7/26/2017</a:t>
+              <a:t>8/11/2017</a:t>
             </a:fld>
             <a:endParaRPr lang="en-US"/>
           </a:p>
@@ -1185,7 +1185,7 @@
           <a:p>
             <a:fld id="{FCEDA0D8-9896-4735-B81D-CAEC7944F4FF}" type="datetime1">
               <a:rPr lang="en-US" smtClean="0"/>
-              <a:t>7/26/2017</a:t>
+              <a:t>8/11/2017</a:t>
             </a:fld>
             <a:endParaRPr lang="en-US"/>
           </a:p>
@@ -1353,7 +1353,7 @@
           <a:p>
             <a:fld id="{BDC684FA-F91C-49C8-B6EB-82DC322FBDB6}" type="datetime1">
               <a:rPr lang="en-US" smtClean="0"/>
-              <a:t>7/26/2017</a:t>
+              <a:t>8/11/2017</a:t>
             </a:fld>
             <a:endParaRPr lang="en-US"/>
           </a:p>
@@ -1531,7 +1531,7 @@
           <a:p>
             <a:fld id="{FFF62818-B7D9-443A-807C-E084A659F410}" type="datetime1">
               <a:rPr lang="en-US" smtClean="0"/>
-              <a:t>7/26/2017</a:t>
+              <a:t>8/11/2017</a:t>
             </a:fld>
             <a:endParaRPr lang="en-US"/>
           </a:p>
@@ -1778,7 +1778,7 @@
                 </a:solidFill>
               </a:rPr>
               <a:pPr/>
-              <a:t>7/26/2017</a:t>
+              <a:t>8/11/2017</a:t>
             </a:fld>
             <a:endParaRPr lang="en-US">
               <a:solidFill>
@@ -1984,7 +1984,7 @@
                 </a:solidFill>
               </a:rPr>
               <a:pPr/>
-              <a:t>7/26/2017</a:t>
+              <a:t>8/11/2017</a:t>
             </a:fld>
             <a:endParaRPr lang="en-US">
               <a:solidFill>
@@ -2189,7 +2189,7 @@
                 </a:solidFill>
               </a:rPr>
               <a:pPr/>
-              <a:t>7/26/2017</a:t>
+              <a:t>8/11/2017</a:t>
             </a:fld>
             <a:endParaRPr lang="en-US">
               <a:solidFill>
@@ -2480,7 +2480,7 @@
                 </a:solidFill>
               </a:rPr>
               <a:pPr/>
-              <a:t>7/26/2017</a:t>
+              <a:t>8/11/2017</a:t>
             </a:fld>
             <a:endParaRPr lang="en-US">
               <a:solidFill>
@@ -2688,7 +2688,7 @@
                 </a:solidFill>
               </a:rPr>
               <a:pPr/>
-              <a:t>7/26/2017</a:t>
+              <a:t>8/11/2017</a:t>
             </a:fld>
             <a:endParaRPr lang="en-US">
               <a:solidFill>
@@ -3014,7 +3014,7 @@
                 </a:solidFill>
               </a:rPr>
               <a:pPr/>
-              <a:t>7/26/2017</a:t>
+              <a:t>8/11/2017</a:t>
             </a:fld>
             <a:endParaRPr lang="en-US">
               <a:solidFill>
@@ -3331,7 +3331,7 @@
                 </a:solidFill>
               </a:rPr>
               <a:pPr/>
-              <a:t>7/26/2017</a:t>
+              <a:t>8/11/2017</a:t>
             </a:fld>
             <a:endParaRPr lang="en-US">
               <a:solidFill>
@@ -3524,7 +3524,7 @@
           <a:p>
             <a:fld id="{880749FB-46CF-42DD-8BB5-B5A4AAE5764E}" type="datetime1">
               <a:rPr lang="en-US" smtClean="0"/>
-              <a:t>7/26/2017</a:t>
+              <a:t>8/11/2017</a:t>
             </a:fld>
             <a:endParaRPr lang="en-US"/>
           </a:p>
@@ -3950,7 +3950,7 @@
                 </a:solidFill>
               </a:rPr>
               <a:pPr/>
-              <a:t>7/26/2017</a:t>
+              <a:t>8/11/2017</a:t>
             </a:fld>
             <a:endParaRPr lang="en-US">
               <a:solidFill>
@@ -4099,7 +4099,7 @@
                 </a:solidFill>
               </a:rPr>
               <a:pPr/>
-              <a:t>7/26/2017</a:t>
+              <a:t>8/11/2017</a:t>
             </a:fld>
             <a:endParaRPr lang="en-US">
               <a:solidFill>
@@ -4226,7 +4226,7 @@
                 </a:solidFill>
               </a:rPr>
               <a:pPr/>
-              <a:t>7/26/2017</a:t>
+              <a:t>8/11/2017</a:t>
             </a:fld>
             <a:endParaRPr lang="en-US">
               <a:solidFill>
@@ -4533,7 +4533,7 @@
                 </a:solidFill>
               </a:rPr>
               <a:pPr/>
-              <a:t>7/26/2017</a:t>
+              <a:t>8/11/2017</a:t>
             </a:fld>
             <a:endParaRPr lang="en-US">
               <a:solidFill>
@@ -4817,7 +4817,7 @@
                 </a:solidFill>
               </a:rPr>
               <a:pPr/>
-              <a:t>7/26/2017</a:t>
+              <a:t>8/11/2017</a:t>
             </a:fld>
             <a:endParaRPr lang="en-US">
               <a:solidFill>
@@ -5017,7 +5017,7 @@
                 </a:solidFill>
               </a:rPr>
               <a:pPr/>
-              <a:t>7/26/2017</a:t>
+              <a:t>8/11/2017</a:t>
             </a:fld>
             <a:endParaRPr lang="en-US">
               <a:solidFill>
@@ -5227,7 +5227,7 @@
                 </a:solidFill>
               </a:rPr>
               <a:pPr/>
-              <a:t>7/26/2017</a:t>
+              <a:t>8/11/2017</a:t>
             </a:fld>
             <a:endParaRPr lang="en-US">
               <a:solidFill>
@@ -5492,7 +5492,7 @@
           <a:p>
             <a:fld id="{2F1F79F5-7BEC-496A-AFC7-876E38F64D71}" type="datetime1">
               <a:rPr lang="en-US" smtClean="0"/>
-              <a:t>7/26/2017</a:t>
+              <a:t>8/11/2017</a:t>
             </a:fld>
             <a:endParaRPr lang="en-US"/>
           </a:p>
@@ -5666,7 +5666,7 @@
           <a:p>
             <a:fld id="{E22ED4DA-448D-4BB1-B935-CC112220207B}" type="datetime1">
               <a:rPr lang="en-US" smtClean="0"/>
-              <a:t>7/26/2017</a:t>
+              <a:t>8/11/2017</a:t>
             </a:fld>
             <a:endParaRPr lang="en-US"/>
           </a:p>
@@ -5839,7 +5839,7 @@
           <a:p>
             <a:fld id="{E22ED4DA-448D-4BB1-B935-CC112220207B}" type="datetime1">
               <a:rPr lang="en-US" smtClean="0"/>
-              <a:t>7/26/2017</a:t>
+              <a:t>8/11/2017</a:t>
             </a:fld>
             <a:endParaRPr lang="en-US"/>
           </a:p>
@@ -6100,7 +6100,7 @@
           <a:p>
             <a:fld id="{739796AA-6F33-477E-A02D-A3C11A9E262B}" type="datetime1">
               <a:rPr lang="en-US" smtClean="0"/>
-              <a:t>7/26/2017</a:t>
+              <a:t>8/11/2017</a:t>
             </a:fld>
             <a:endParaRPr lang="en-US"/>
           </a:p>
@@ -6276,7 +6276,7 @@
           <a:p>
             <a:fld id="{FF5D65A6-AB94-4435-B0B7-3743215FA46C}" type="datetime1">
               <a:rPr lang="en-US" smtClean="0"/>
-              <a:t>7/26/2017</a:t>
+              <a:t>8/11/2017</a:t>
             </a:fld>
             <a:endParaRPr lang="en-US"/>
           </a:p>
@@ -6452,7 +6452,7 @@
           <a:p>
             <a:fld id="{FF5D65A6-AB94-4435-B0B7-3743215FA46C}" type="datetime1">
               <a:rPr lang="en-US" smtClean="0"/>
-              <a:t>7/26/2017</a:t>
+              <a:t>8/11/2017</a:t>
             </a:fld>
             <a:endParaRPr lang="en-US"/>
           </a:p>
@@ -6746,7 +6746,7 @@
           <a:p>
             <a:fld id="{7C193DC4-6EF0-48C9-B29C-616106A645E1}" type="datetime1">
               <a:rPr lang="en-US" smtClean="0"/>
-              <a:t>7/26/2017</a:t>
+              <a:t>8/11/2017</a:t>
             </a:fld>
             <a:endParaRPr lang="en-US"/>
           </a:p>
@@ -7031,7 +7031,7 @@
           <a:p>
             <a:fld id="{5D1846AD-9252-4647-9435-4C2AC365653A}" type="datetime1">
               <a:rPr lang="en-US" smtClean="0"/>
-              <a:t>7/26/2017</a:t>
+              <a:t>8/11/2017</a:t>
             </a:fld>
             <a:endParaRPr lang="en-US"/>
           </a:p>
@@ -7450,7 +7450,7 @@
           <a:p>
             <a:fld id="{CE56DC10-3561-4063-A6AF-C1CC7A41040A}" type="datetime1">
               <a:rPr lang="en-US" smtClean="0"/>
-              <a:t>7/26/2017</a:t>
+              <a:t>8/11/2017</a:t>
             </a:fld>
             <a:endParaRPr lang="en-US"/>
           </a:p>
@@ -7567,7 +7567,7 @@
           <a:p>
             <a:fld id="{2F7B77F5-1464-4F6B-92A8-64FC8A508293}" type="datetime1">
               <a:rPr lang="en-US" smtClean="0"/>
-              <a:t>7/26/2017</a:t>
+              <a:t>8/11/2017</a:t>
             </a:fld>
             <a:endParaRPr lang="en-US"/>
           </a:p>
@@ -7662,7 +7662,7 @@
           <a:p>
             <a:fld id="{0A05703A-7669-4FEA-9056-25299B4D29D4}" type="datetime1">
               <a:rPr lang="en-US" smtClean="0"/>
-              <a:t>7/26/2017</a:t>
+              <a:t>8/11/2017</a:t>
             </a:fld>
             <a:endParaRPr lang="en-US"/>
           </a:p>
@@ -7937,7 +7937,7 @@
           <a:p>
             <a:fld id="{6E5077B5-BB57-49DB-88CA-226A139E5C01}" type="datetime1">
               <a:rPr lang="en-US" smtClean="0"/>
-              <a:t>7/26/2017</a:t>
+              <a:t>8/11/2017</a:t>
             </a:fld>
             <a:endParaRPr lang="en-US"/>
           </a:p>
@@ -8189,7 +8189,7 @@
           <a:p>
             <a:fld id="{C48D9447-CBD6-49A1-89FD-8512A8CF8999}" type="datetime1">
               <a:rPr lang="en-US" smtClean="0"/>
-              <a:t>7/26/2017</a:t>
+              <a:t>8/11/2017</a:t>
             </a:fld>
             <a:endParaRPr lang="en-US"/>
           </a:p>
@@ -8357,7 +8357,7 @@
           <a:p>
             <a:fld id="{A3639A2A-823D-48B7-9ACE-7FAF42870BA9}" type="datetime1">
               <a:rPr lang="en-US" smtClean="0"/>
-              <a:t>7/26/2017</a:t>
+              <a:t>8/11/2017</a:t>
             </a:fld>
             <a:endParaRPr lang="en-US"/>
           </a:p>
@@ -8602,7 +8602,7 @@
           <a:p>
             <a:fld id="{CC8AC921-EF94-4F68-97D0-D7E0E9A4111A}" type="datetime1">
               <a:rPr lang="en-US" smtClean="0"/>
-              <a:t>7/26/2017</a:t>
+              <a:t>8/11/2017</a:t>
             </a:fld>
             <a:endParaRPr lang="en-US"/>
           </a:p>
@@ -8780,7 +8780,7 @@
           <a:p>
             <a:fld id="{ED1B6996-82E9-463C-972C-7B56056E426C}" type="datetime1">
               <a:rPr lang="en-US" smtClean="0"/>
-              <a:t>7/26/2017</a:t>
+              <a:t>8/11/2017</a:t>
             </a:fld>
             <a:endParaRPr lang="en-US"/>
           </a:p>
@@ -9020,7 +9020,7 @@
           <a:p>
             <a:fld id="{2F1F79F5-7BEC-496A-AFC7-876E38F64D71}" type="datetime1">
               <a:rPr lang="en-US" smtClean="0"/>
-              <a:t>7/26/2017</a:t>
+              <a:t>8/11/2017</a:t>
             </a:fld>
             <a:endParaRPr lang="en-US"/>
           </a:p>
@@ -9194,7 +9194,7 @@
           <a:p>
             <a:fld id="{E22ED4DA-448D-4BB1-B935-CC112220207B}" type="datetime1">
               <a:rPr lang="en-US" smtClean="0"/>
-              <a:t>7/26/2017</a:t>
+              <a:t>8/11/2017</a:t>
             </a:fld>
             <a:endParaRPr lang="en-US"/>
           </a:p>
@@ -9367,7 +9367,7 @@
           <a:p>
             <a:fld id="{E22ED4DA-448D-4BB1-B935-CC112220207B}" type="datetime1">
               <a:rPr lang="en-US" smtClean="0"/>
-              <a:t>7/26/2017</a:t>
+              <a:t>8/11/2017</a:t>
             </a:fld>
             <a:endParaRPr lang="en-US"/>
           </a:p>
@@ -9627,7 +9627,7 @@
           <a:p>
             <a:fld id="{FF5D65A6-AB94-4435-B0B7-3743215FA46C}" type="datetime1">
               <a:rPr lang="en-US" smtClean="0"/>
-              <a:t>7/26/2017</a:t>
+              <a:t>8/11/2017</a:t>
             </a:fld>
             <a:endParaRPr lang="en-US"/>
           </a:p>
@@ -9803,7 +9803,7 @@
           <a:p>
             <a:fld id="{FF5D65A6-AB94-4435-B0B7-3743215FA46C}" type="datetime1">
               <a:rPr lang="en-US" smtClean="0"/>
-              <a:t>7/26/2017</a:t>
+              <a:t>8/11/2017</a:t>
             </a:fld>
             <a:endParaRPr lang="en-US"/>
           </a:p>
@@ -10097,7 +10097,7 @@
           <a:p>
             <a:fld id="{7C193DC4-6EF0-48C9-B29C-616106A645E1}" type="datetime1">
               <a:rPr lang="en-US" smtClean="0"/>
-              <a:t>7/26/2017</a:t>
+              <a:t>8/11/2017</a:t>
             </a:fld>
             <a:endParaRPr lang="en-US"/>
           </a:p>
@@ -10382,7 +10382,7 @@
           <a:p>
             <a:fld id="{5D1846AD-9252-4647-9435-4C2AC365653A}" type="datetime1">
               <a:rPr lang="en-US" smtClean="0"/>
-              <a:t>7/26/2017</a:t>
+              <a:t>8/11/2017</a:t>
             </a:fld>
             <a:endParaRPr lang="en-US"/>
           </a:p>
@@ -10801,7 +10801,7 @@
           <a:p>
             <a:fld id="{CE56DC10-3561-4063-A6AF-C1CC7A41040A}" type="datetime1">
               <a:rPr lang="en-US" smtClean="0"/>
-              <a:t>7/26/2017</a:t>
+              <a:t>8/11/2017</a:t>
             </a:fld>
             <a:endParaRPr lang="en-US"/>
           </a:p>
@@ -10918,7 +10918,7 @@
           <a:p>
             <a:fld id="{2F7B77F5-1464-4F6B-92A8-64FC8A508293}" type="datetime1">
               <a:rPr lang="en-US" smtClean="0"/>
-              <a:t>7/26/2017</a:t>
+              <a:t>8/11/2017</a:t>
             </a:fld>
             <a:endParaRPr lang="en-US"/>
           </a:p>
@@ -11203,7 +11203,7 @@
           <a:p>
             <a:fld id="{8F137804-4134-44B3-83BB-BF4EDFE76623}" type="datetime1">
               <a:rPr lang="en-US" smtClean="0"/>
-              <a:t>7/26/2017</a:t>
+              <a:t>8/11/2017</a:t>
             </a:fld>
             <a:endParaRPr lang="en-US"/>
           </a:p>
@@ -11298,7 +11298,7 @@
           <a:p>
             <a:fld id="{0A05703A-7669-4FEA-9056-25299B4D29D4}" type="datetime1">
               <a:rPr lang="en-US" smtClean="0"/>
-              <a:t>7/26/2017</a:t>
+              <a:t>8/11/2017</a:t>
             </a:fld>
             <a:endParaRPr lang="en-US"/>
           </a:p>
@@ -11573,7 +11573,7 @@
           <a:p>
             <a:fld id="{6E5077B5-BB57-49DB-88CA-226A139E5C01}" type="datetime1">
               <a:rPr lang="en-US" smtClean="0"/>
-              <a:t>7/26/2017</a:t>
+              <a:t>8/11/2017</a:t>
             </a:fld>
             <a:endParaRPr lang="en-US"/>
           </a:p>
@@ -11825,7 +11825,7 @@
           <a:p>
             <a:fld id="{C48D9447-CBD6-49A1-89FD-8512A8CF8999}" type="datetime1">
               <a:rPr lang="en-US" smtClean="0"/>
-              <a:t>7/26/2017</a:t>
+              <a:t>8/11/2017</a:t>
             </a:fld>
             <a:endParaRPr lang="en-US"/>
           </a:p>
@@ -11993,7 +11993,7 @@
           <a:p>
             <a:fld id="{A3639A2A-823D-48B7-9ACE-7FAF42870BA9}" type="datetime1">
               <a:rPr lang="en-US" smtClean="0"/>
-              <a:t>7/26/2017</a:t>
+              <a:t>8/11/2017</a:t>
             </a:fld>
             <a:endParaRPr lang="en-US"/>
           </a:p>
@@ -12171,7 +12171,7 @@
           <a:p>
             <a:fld id="{ED1B6996-82E9-463C-972C-7B56056E426C}" type="datetime1">
               <a:rPr lang="en-US" smtClean="0"/>
-              <a:t>7/26/2017</a:t>
+              <a:t>8/11/2017</a:t>
             </a:fld>
             <a:endParaRPr lang="en-US"/>
           </a:p>
@@ -12590,7 +12590,7 @@
           <a:p>
             <a:fld id="{685DD83D-C4CF-495E-9FC1-2084AE8726D8}" type="datetime1">
               <a:rPr lang="en-US" smtClean="0"/>
-              <a:t>7/26/2017</a:t>
+              <a:t>8/11/2017</a:t>
             </a:fld>
             <a:endParaRPr lang="en-US"/>
           </a:p>
@@ -12707,7 +12707,7 @@
           <a:p>
             <a:fld id="{F25B5022-9AA9-479B-A496-09AEE98AD09E}" type="datetime1">
               <a:rPr lang="en-US" smtClean="0"/>
-              <a:t>7/26/2017</a:t>
+              <a:t>8/11/2017</a:t>
             </a:fld>
             <a:endParaRPr lang="en-US"/>
           </a:p>
@@ -12802,7 +12802,7 @@
           <a:p>
             <a:fld id="{5B12E4FC-F213-4049-AB12-DD6367C4C28E}" type="datetime1">
               <a:rPr lang="en-US" smtClean="0"/>
-              <a:t>7/26/2017</a:t>
+              <a:t>8/11/2017</a:t>
             </a:fld>
             <a:endParaRPr lang="en-US"/>
           </a:p>
@@ -13077,7 +13077,7 @@
           <a:p>
             <a:fld id="{C042F87B-489A-44DD-B219-B76E9883157F}" type="datetime1">
               <a:rPr lang="en-US" smtClean="0"/>
-              <a:t>7/26/2017</a:t>
+              <a:t>8/11/2017</a:t>
             </a:fld>
             <a:endParaRPr lang="en-US"/>
           </a:p>
@@ -13300,7 +13300,7 @@
           <a:p>
             <a:fld id="{98C0E4FB-2B0D-4D13-9C4B-412A8A8591B4}" type="datetime1">
               <a:rPr lang="en-US" smtClean="0"/>
-              <a:t>7/26/2017</a:t>
+              <a:t>8/11/2017</a:t>
             </a:fld>
             <a:endParaRPr lang="en-US"/>
           </a:p>
@@ -13829,7 +13829,7 @@
                 </a:solidFill>
               </a:rPr>
               <a:pPr/>
-              <a:t>7/26/2017</a:t>
+              <a:t>8/11/2017</a:t>
             </a:fld>
             <a:endParaRPr lang="en-US">
               <a:solidFill>
@@ -14378,7 +14378,7 @@
           <a:p>
             <a:fld id="{02B3F677-983B-48DB-ADFD-63FE6CBC7FB2}" type="datetime1">
               <a:rPr lang="en-US" smtClean="0"/>
-              <a:t>7/26/2017</a:t>
+              <a:t>8/11/2017</a:t>
             </a:fld>
             <a:endParaRPr lang="en-US"/>
           </a:p>
@@ -14902,7 +14902,7 @@
           <a:p>
             <a:fld id="{02B3F677-983B-48DB-ADFD-63FE6CBC7FB2}" type="datetime1">
               <a:rPr lang="en-US" smtClean="0"/>
-              <a:t>7/26/2017</a:t>
+              <a:t>8/11/2017</a:t>
             </a:fld>
             <a:endParaRPr lang="en-US"/>
           </a:p>
